--- a/image_src/ref_un_prob_5.pptx
+++ b/image_src/ref_un_prob_5.pptx
@@ -5,8 +5,9 @@
     <p:sldMasterId id="2147483648" r:id="rId1"/>
   </p:sldMasterIdLst>
   <p:sldIdLst>
-    <p:sldId id="256" r:id="rId2"/>
-    <p:sldId id="257" r:id="rId3"/>
+    <p:sldId id="258" r:id="rId2"/>
+    <p:sldId id="256" r:id="rId3"/>
+    <p:sldId id="257" r:id="rId4"/>
   </p:sldIdLst>
   <p:sldSz cx="12192000" cy="6858000"/>
   <p:notesSz cx="6858000" cy="9144000"/>
@@ -105,13 +106,18 @@
       </a:defRPr>
     </a:lvl9pPr>
   </p:defaultTextStyle>
+  <p:extLst>
+    <p:ext uri="{EFAFB233-063F-42B5-8137-9DF3F51BA10A}">
+      <p15:sldGuideLst xmlns:p15="http://schemas.microsoft.com/office/powerpoint/2012/main"/>
+    </p:ext>
+  </p:extLst>
 </p:presentation>
 </file>
 
 <file path=ppt/revisionInfo.xml><?xml version="1.0" encoding="utf-8"?>
 <p1510:revInfo xmlns:a="http://schemas.openxmlformats.org/drawingml/2006/main" xmlns:r="http://schemas.openxmlformats.org/officeDocument/2006/relationships" xmlns:p1510="http://schemas.microsoft.com/office/powerpoint/2015/10/main">
   <p1510:revLst>
-    <p1510:client id="{AECBED0E-A167-45DA-A7AA-5BD152823DFD}" v="57" dt="2022-11-27T14:17:17.411"/>
+    <p1510:client id="{AECBED0E-A167-45DA-A7AA-5BD152823DFD}" v="60" dt="2022-11-28T02:08:09.407"/>
   </p1510:revLst>
 </p1510:revInfo>
 </file>
@@ -120,8 +126,8 @@
 <pc:chgInfo xmlns:a="http://schemas.openxmlformats.org/drawingml/2006/main" xmlns:r="http://schemas.openxmlformats.org/officeDocument/2006/relationships" xmlns:ac="http://schemas.microsoft.com/office/drawing/2013/main/command" xmlns:pc="http://schemas.microsoft.com/office/powerpoint/2013/main/command">
   <pc:docChgLst>
     <pc:chgData name="Kaneko Itaru" userId="772eb26533164a99" providerId="LiveId" clId="{AECBED0E-A167-45DA-A7AA-5BD152823DFD}"/>
-    <pc:docChg chg="custSel addSld modSld">
-      <pc:chgData name="Kaneko Itaru" userId="772eb26533164a99" providerId="LiveId" clId="{AECBED0E-A167-45DA-A7AA-5BD152823DFD}" dt="2022-11-27T14:18:47.285" v="243" actId="27918"/>
+    <pc:docChg chg="custSel addSld modSld sldOrd">
+      <pc:chgData name="Kaneko Itaru" userId="772eb26533164a99" providerId="LiveId" clId="{AECBED0E-A167-45DA-A7AA-5BD152823DFD}" dt="2022-11-28T02:08:36.006" v="290" actId="1076"/>
       <pc:docMkLst>
         <pc:docMk/>
       </pc:docMkLst>
@@ -242,6 +248,37 @@
             <ac:graphicFrameMk id="4" creationId="{C3C2894D-C84B-7D46-27E0-95A3429D744F}"/>
           </ac:graphicFrameMkLst>
         </pc:graphicFrameChg>
+      </pc:sldChg>
+      <pc:sldChg chg="addSp modSp new mod ord">
+        <pc:chgData name="Kaneko Itaru" userId="772eb26533164a99" providerId="LiveId" clId="{AECBED0E-A167-45DA-A7AA-5BD152823DFD}" dt="2022-11-28T02:08:36.006" v="290" actId="1076"/>
+        <pc:sldMkLst>
+          <pc:docMk/>
+          <pc:sldMk cId="2481347766" sldId="258"/>
+        </pc:sldMkLst>
+        <pc:spChg chg="add mod">
+          <ac:chgData name="Kaneko Itaru" userId="772eb26533164a99" providerId="LiveId" clId="{AECBED0E-A167-45DA-A7AA-5BD152823DFD}" dt="2022-11-28T02:08:36.006" v="290" actId="1076"/>
+          <ac:spMkLst>
+            <pc:docMk/>
+            <pc:sldMk cId="2481347766" sldId="258"/>
+            <ac:spMk id="2" creationId="{60EA0F0C-44F0-8904-BFCA-EB3CEF47D463}"/>
+          </ac:spMkLst>
+        </pc:spChg>
+        <pc:spChg chg="add mod">
+          <ac:chgData name="Kaneko Itaru" userId="772eb26533164a99" providerId="LiveId" clId="{AECBED0E-A167-45DA-A7AA-5BD152823DFD}" dt="2022-11-28T02:08:23.426" v="286" actId="1076"/>
+          <ac:spMkLst>
+            <pc:docMk/>
+            <pc:sldMk cId="2481347766" sldId="258"/>
+            <ac:spMk id="4" creationId="{7580AB84-FABD-6BE7-D68E-4B44F11A6B7B}"/>
+          </ac:spMkLst>
+        </pc:spChg>
+        <pc:picChg chg="add mod">
+          <ac:chgData name="Kaneko Itaru" userId="772eb26533164a99" providerId="LiveId" clId="{AECBED0E-A167-45DA-A7AA-5BD152823DFD}" dt="2022-11-28T02:08:01.587" v="255" actId="1076"/>
+          <ac:picMkLst>
+            <pc:docMk/>
+            <pc:sldMk cId="2481347766" sldId="258"/>
+            <ac:picMk id="3" creationId="{B78C9B67-F9C7-2450-45ED-386208906ECE}"/>
+          </ac:picMkLst>
+        </pc:picChg>
       </pc:sldChg>
     </pc:docChg>
   </pc:docChgLst>
@@ -2075,7 +2112,7 @@
           <a:p>
             <a:fld id="{60B5B375-844C-4485-A50B-23B03B0832C2}" type="datetimeFigureOut">
               <a:rPr kumimoji="1" lang="ja-JP" altLang="en-US" smtClean="0"/>
-              <a:t>2022/11/27</a:t>
+              <a:t>2022/11/28</a:t>
             </a:fld>
             <a:endParaRPr kumimoji="1" lang="ja-JP" altLang="en-US"/>
           </a:p>
@@ -2305,7 +2342,7 @@
           <a:p>
             <a:fld id="{60B5B375-844C-4485-A50B-23B03B0832C2}" type="datetimeFigureOut">
               <a:rPr kumimoji="1" lang="ja-JP" altLang="en-US" smtClean="0"/>
-              <a:t>2022/11/27</a:t>
+              <a:t>2022/11/28</a:t>
             </a:fld>
             <a:endParaRPr kumimoji="1" lang="ja-JP" altLang="en-US"/>
           </a:p>
@@ -2545,7 +2582,7 @@
           <a:p>
             <a:fld id="{60B5B375-844C-4485-A50B-23B03B0832C2}" type="datetimeFigureOut">
               <a:rPr kumimoji="1" lang="ja-JP" altLang="en-US" smtClean="0"/>
-              <a:t>2022/11/27</a:t>
+              <a:t>2022/11/28</a:t>
             </a:fld>
             <a:endParaRPr kumimoji="1" lang="ja-JP" altLang="en-US"/>
           </a:p>
@@ -2775,7 +2812,7 @@
           <a:p>
             <a:fld id="{60B5B375-844C-4485-A50B-23B03B0832C2}" type="datetimeFigureOut">
               <a:rPr kumimoji="1" lang="ja-JP" altLang="en-US" smtClean="0"/>
-              <a:t>2022/11/27</a:t>
+              <a:t>2022/11/28</a:t>
             </a:fld>
             <a:endParaRPr kumimoji="1" lang="ja-JP" altLang="en-US"/>
           </a:p>
@@ -3050,7 +3087,7 @@
           <a:p>
             <a:fld id="{60B5B375-844C-4485-A50B-23B03B0832C2}" type="datetimeFigureOut">
               <a:rPr kumimoji="1" lang="ja-JP" altLang="en-US" smtClean="0"/>
-              <a:t>2022/11/27</a:t>
+              <a:t>2022/11/28</a:t>
             </a:fld>
             <a:endParaRPr kumimoji="1" lang="ja-JP" altLang="en-US"/>
           </a:p>
@@ -3379,7 +3416,7 @@
           <a:p>
             <a:fld id="{60B5B375-844C-4485-A50B-23B03B0832C2}" type="datetimeFigureOut">
               <a:rPr kumimoji="1" lang="ja-JP" altLang="en-US" smtClean="0"/>
-              <a:t>2022/11/27</a:t>
+              <a:t>2022/11/28</a:t>
             </a:fld>
             <a:endParaRPr kumimoji="1" lang="ja-JP" altLang="en-US"/>
           </a:p>
@@ -3855,7 +3892,7 @@
           <a:p>
             <a:fld id="{60B5B375-844C-4485-A50B-23B03B0832C2}" type="datetimeFigureOut">
               <a:rPr kumimoji="1" lang="ja-JP" altLang="en-US" smtClean="0"/>
-              <a:t>2022/11/27</a:t>
+              <a:t>2022/11/28</a:t>
             </a:fld>
             <a:endParaRPr kumimoji="1" lang="ja-JP" altLang="en-US"/>
           </a:p>
@@ -3996,7 +4033,7 @@
           <a:p>
             <a:fld id="{60B5B375-844C-4485-A50B-23B03B0832C2}" type="datetimeFigureOut">
               <a:rPr kumimoji="1" lang="ja-JP" altLang="en-US" smtClean="0"/>
-              <a:t>2022/11/27</a:t>
+              <a:t>2022/11/28</a:t>
             </a:fld>
             <a:endParaRPr kumimoji="1" lang="ja-JP" altLang="en-US"/>
           </a:p>
@@ -4109,7 +4146,7 @@
           <a:p>
             <a:fld id="{60B5B375-844C-4485-A50B-23B03B0832C2}" type="datetimeFigureOut">
               <a:rPr kumimoji="1" lang="ja-JP" altLang="en-US" smtClean="0"/>
-              <a:t>2022/11/27</a:t>
+              <a:t>2022/11/28</a:t>
             </a:fld>
             <a:endParaRPr kumimoji="1" lang="ja-JP" altLang="en-US"/>
           </a:p>
@@ -4452,7 +4489,7 @@
           <a:p>
             <a:fld id="{60B5B375-844C-4485-A50B-23B03B0832C2}" type="datetimeFigureOut">
               <a:rPr kumimoji="1" lang="ja-JP" altLang="en-US" smtClean="0"/>
-              <a:t>2022/11/27</a:t>
+              <a:t>2022/11/28</a:t>
             </a:fld>
             <a:endParaRPr kumimoji="1" lang="ja-JP" altLang="en-US"/>
           </a:p>
@@ -4740,7 +4777,7 @@
           <a:p>
             <a:fld id="{60B5B375-844C-4485-A50B-23B03B0832C2}" type="datetimeFigureOut">
               <a:rPr kumimoji="1" lang="ja-JP" altLang="en-US" smtClean="0"/>
-              <a:t>2022/11/27</a:t>
+              <a:t>2022/11/28</a:t>
             </a:fld>
             <a:endParaRPr kumimoji="1" lang="ja-JP" altLang="en-US"/>
           </a:p>
@@ -5013,7 +5050,7 @@
           <a:p>
             <a:fld id="{60B5B375-844C-4485-A50B-23B03B0832C2}" type="datetimeFigureOut">
               <a:rPr kumimoji="1" lang="ja-JP" altLang="en-US" smtClean="0"/>
-              <a:t>2022/11/27</a:t>
+              <a:t>2022/11/28</a:t>
             </a:fld>
             <a:endParaRPr kumimoji="1" lang="ja-JP" altLang="en-US"/>
           </a:p>
@@ -5435,6 +5472,176 @@
           <p:cNvPr id="2" name="正方形/長方形 1">
             <a:extLst>
               <a:ext uri="{FF2B5EF4-FFF2-40B4-BE49-F238E27FC236}">
+                <a16:creationId xmlns:a16="http://schemas.microsoft.com/office/drawing/2014/main" id="{60EA0F0C-44F0-8904-BFCA-EB3CEF47D463}"/>
+              </a:ext>
+            </a:extLst>
+          </p:cNvPr>
+          <p:cNvSpPr/>
+          <p:nvPr/>
+        </p:nvSpPr>
+        <p:spPr>
+          <a:xfrm rot="20767228">
+            <a:off x="2143760" y="2377439"/>
+            <a:ext cx="1063843" cy="1076960"/>
+          </a:xfrm>
+          <a:prstGeom prst="rect">
+            <a:avLst/>
+          </a:prstGeom>
+          <a:solidFill>
+            <a:schemeClr val="bg1"/>
+          </a:solidFill>
+          <a:ln w="38100">
+            <a:solidFill>
+              <a:schemeClr val="tx1"/>
+            </a:solidFill>
+          </a:ln>
+          <a:effectLst>
+            <a:outerShdw blurRad="50800" dist="38100" dir="2700000" algn="tl" rotWithShape="0">
+              <a:prstClr val="black">
+                <a:alpha val="40000"/>
+              </a:prstClr>
+            </a:outerShdw>
+          </a:effectLst>
+        </p:spPr>
+        <p:style>
+          <a:lnRef idx="2">
+            <a:schemeClr val="accent1">
+              <a:shade val="50000"/>
+            </a:schemeClr>
+          </a:lnRef>
+          <a:fillRef idx="1">
+            <a:schemeClr val="accent1"/>
+          </a:fillRef>
+          <a:effectRef idx="0">
+            <a:schemeClr val="accent1"/>
+          </a:effectRef>
+          <a:fontRef idx="minor">
+            <a:schemeClr val="lt1"/>
+          </a:fontRef>
+        </p:style>
+        <p:txBody>
+          <a:bodyPr rtlCol="0" anchor="ctr"/>
+          <a:lstStyle/>
+          <a:p>
+            <a:pPr algn="ctr"/>
+            <a:endParaRPr kumimoji="1" lang="ja-JP" altLang="en-US"/>
+          </a:p>
+        </p:txBody>
+      </p:sp>
+      <p:pic>
+        <p:nvPicPr>
+          <p:cNvPr id="3" name="図 2" descr="テーブルの上のデザート&#10;&#10;自動的に生成された説明">
+            <a:extLst>
+              <a:ext uri="{FF2B5EF4-FFF2-40B4-BE49-F238E27FC236}">
+                <a16:creationId xmlns:a16="http://schemas.microsoft.com/office/drawing/2014/main" id="{B78C9B67-F9C7-2450-45ED-386208906ECE}"/>
+              </a:ext>
+            </a:extLst>
+          </p:cNvPr>
+          <p:cNvPicPr>
+            <a:picLocks noChangeAspect="1"/>
+          </p:cNvPicPr>
+          <p:nvPr/>
+        </p:nvPicPr>
+        <p:blipFill>
+          <a:blip r:embed="rId2">
+            <a:extLst>
+              <a:ext uri="{28A0092B-C50C-407E-A947-70E740481C1C}">
+                <a14:useLocalDpi xmlns:a14="http://schemas.microsoft.com/office/drawing/2010/main" val="0"/>
+              </a:ext>
+              <a:ext uri="{837473B0-CC2E-450A-ABE3-18F120FF3D39}">
+                <a1611:picAttrSrcUrl xmlns:a1611="http://schemas.microsoft.com/office/drawing/2016/11/main" r:id="rId3"/>
+              </a:ext>
+            </a:extLst>
+          </a:blip>
+          <a:stretch>
+            <a:fillRect/>
+          </a:stretch>
+        </p:blipFill>
+        <p:spPr>
+          <a:xfrm>
+            <a:off x="4042727" y="2118836"/>
+            <a:ext cx="1063843" cy="1594167"/>
+          </a:xfrm>
+          <a:prstGeom prst="rect">
+            <a:avLst/>
+          </a:prstGeom>
+        </p:spPr>
+      </p:pic>
+      <p:sp>
+        <p:nvSpPr>
+          <p:cNvPr id="4" name="テキスト ボックス 3">
+            <a:extLst>
+              <a:ext uri="{FF2B5EF4-FFF2-40B4-BE49-F238E27FC236}">
+                <a16:creationId xmlns:a16="http://schemas.microsoft.com/office/drawing/2014/main" id="{7580AB84-FABD-6BE7-D68E-4B44F11A6B7B}"/>
+              </a:ext>
+            </a:extLst>
+          </p:cNvPr>
+          <p:cNvSpPr txBox="1"/>
+          <p:nvPr/>
+        </p:nvSpPr>
+        <p:spPr>
+          <a:xfrm>
+            <a:off x="2346960" y="1595120"/>
+            <a:ext cx="2382383" cy="369332"/>
+          </a:xfrm>
+          <a:prstGeom prst="rect">
+            <a:avLst/>
+          </a:prstGeom>
+          <a:noFill/>
+        </p:spPr>
+        <p:txBody>
+          <a:bodyPr wrap="none" rtlCol="0">
+            <a:spAutoFit/>
+          </a:bodyPr>
+          <a:lstStyle/>
+          <a:p>
+            <a:r>
+              <a:rPr lang="ja-JP" altLang="en-US" dirty="0"/>
+              <a:t>どちらが線形だろう</a:t>
+            </a:r>
+            <a:r>
+              <a:rPr lang="en-US" altLang="ja-JP" dirty="0"/>
+              <a:t>?</a:t>
+            </a:r>
+            <a:endParaRPr kumimoji="1" lang="ja-JP" altLang="en-US" dirty="0"/>
+          </a:p>
+        </p:txBody>
+      </p:sp>
+    </p:spTree>
+    <p:extLst>
+      <p:ext uri="{BB962C8B-B14F-4D97-AF65-F5344CB8AC3E}">
+        <p14:creationId xmlns:p14="http://schemas.microsoft.com/office/powerpoint/2010/main" val="2481347766"/>
+      </p:ext>
+    </p:extLst>
+  </p:cSld>
+  <p:clrMapOvr>
+    <a:masterClrMapping/>
+  </p:clrMapOvr>
+</p:sld>
+</file>
+
+<file path=ppt/slides/slide2.xml><?xml version="1.0" encoding="utf-8"?>
+<p:sld xmlns:a="http://schemas.openxmlformats.org/drawingml/2006/main" xmlns:r="http://schemas.openxmlformats.org/officeDocument/2006/relationships" xmlns:p="http://schemas.openxmlformats.org/presentationml/2006/main">
+  <p:cSld>
+    <p:spTree>
+      <p:nvGrpSpPr>
+        <p:cNvPr id="1" name=""/>
+        <p:cNvGrpSpPr/>
+        <p:nvPr/>
+      </p:nvGrpSpPr>
+      <p:grpSpPr>
+        <a:xfrm>
+          <a:off x="0" y="0"/>
+          <a:ext cx="0" cy="0"/>
+          <a:chOff x="0" y="0"/>
+          <a:chExt cx="0" cy="0"/>
+        </a:xfrm>
+      </p:grpSpPr>
+      <p:sp>
+        <p:nvSpPr>
+          <p:cNvPr id="2" name="正方形/長方形 1">
+            <a:extLst>
+              <a:ext uri="{FF2B5EF4-FFF2-40B4-BE49-F238E27FC236}">
                 <a16:creationId xmlns:a16="http://schemas.microsoft.com/office/drawing/2014/main" id="{9C506C34-F8F2-AF7A-A5BC-24C986CA8216}"/>
               </a:ext>
             </a:extLst>
@@ -5726,7 +5933,7 @@
 </p:sld>
 </file>
 
-<file path=ppt/slides/slide2.xml><?xml version="1.0" encoding="utf-8"?>
+<file path=ppt/slides/slide3.xml><?xml version="1.0" encoding="utf-8"?>
 <p:sld xmlns:a="http://schemas.openxmlformats.org/drawingml/2006/main" xmlns:r="http://schemas.openxmlformats.org/officeDocument/2006/relationships" xmlns:p="http://schemas.openxmlformats.org/presentationml/2006/main">
   <p:cSld>
     <p:spTree>

--- a/image_src/ref_un_prob_5.pptx
+++ b/image_src/ref_un_prob_5.pptx
@@ -5,9 +5,11 @@
     <p:sldMasterId id="2147483648" r:id="rId1"/>
   </p:sldMasterIdLst>
   <p:sldIdLst>
-    <p:sldId id="258" r:id="rId2"/>
-    <p:sldId id="256" r:id="rId3"/>
-    <p:sldId id="257" r:id="rId4"/>
+    <p:sldId id="259" r:id="rId2"/>
+    <p:sldId id="258" r:id="rId3"/>
+    <p:sldId id="256" r:id="rId4"/>
+    <p:sldId id="257" r:id="rId5"/>
+    <p:sldId id="260" r:id="rId6"/>
   </p:sldIdLst>
   <p:sldSz cx="12192000" cy="6858000"/>
   <p:notesSz cx="6858000" cy="9144000"/>
@@ -117,7 +119,7 @@
 <file path=ppt/revisionInfo.xml><?xml version="1.0" encoding="utf-8"?>
 <p1510:revInfo xmlns:a="http://schemas.openxmlformats.org/drawingml/2006/main" xmlns:r="http://schemas.openxmlformats.org/officeDocument/2006/relationships" xmlns:p1510="http://schemas.microsoft.com/office/powerpoint/2015/10/main">
   <p1510:revLst>
-    <p1510:client id="{AECBED0E-A167-45DA-A7AA-5BD152823DFD}" v="60" dt="2022-11-28T02:08:09.407"/>
+    <p1510:client id="{AECBED0E-A167-45DA-A7AA-5BD152823DFD}" v="63" dt="2022-11-29T05:42:37.994"/>
   </p1510:revLst>
 </p1510:revInfo>
 </file>
@@ -127,7 +129,7 @@
   <pc:docChgLst>
     <pc:chgData name="Kaneko Itaru" userId="772eb26533164a99" providerId="LiveId" clId="{AECBED0E-A167-45DA-A7AA-5BD152823DFD}"/>
     <pc:docChg chg="custSel addSld modSld sldOrd">
-      <pc:chgData name="Kaneko Itaru" userId="772eb26533164a99" providerId="LiveId" clId="{AECBED0E-A167-45DA-A7AA-5BD152823DFD}" dt="2022-11-28T02:08:36.006" v="290" actId="1076"/>
+      <pc:chgData name="Kaneko Itaru" userId="772eb26533164a99" providerId="LiveId" clId="{AECBED0E-A167-45DA-A7AA-5BD152823DFD}" dt="2022-11-29T05:42:38.581" v="299" actId="962"/>
       <pc:docMkLst>
         <pc:docMk/>
       </pc:docMkLst>
@@ -277,6 +279,52 @@
             <pc:docMk/>
             <pc:sldMk cId="2481347766" sldId="258"/>
             <ac:picMk id="3" creationId="{B78C9B67-F9C7-2450-45ED-386208906ECE}"/>
+          </ac:picMkLst>
+        </pc:picChg>
+      </pc:sldChg>
+      <pc:sldChg chg="add">
+        <pc:chgData name="Kaneko Itaru" userId="772eb26533164a99" providerId="LiveId" clId="{AECBED0E-A167-45DA-A7AA-5BD152823DFD}" dt="2022-11-29T05:41:28.811" v="291"/>
+        <pc:sldMkLst>
+          <pc:docMk/>
+          <pc:sldMk cId="1983487988" sldId="259"/>
+        </pc:sldMkLst>
+      </pc:sldChg>
+      <pc:sldChg chg="addSp delSp modSp new mod">
+        <pc:chgData name="Kaneko Itaru" userId="772eb26533164a99" providerId="LiveId" clId="{AECBED0E-A167-45DA-A7AA-5BD152823DFD}" dt="2022-11-29T05:42:38.581" v="299" actId="962"/>
+        <pc:sldMkLst>
+          <pc:docMk/>
+          <pc:sldMk cId="433996266" sldId="260"/>
+        </pc:sldMkLst>
+        <pc:spChg chg="add del mod">
+          <ac:chgData name="Kaneko Itaru" userId="772eb26533164a99" providerId="LiveId" clId="{AECBED0E-A167-45DA-A7AA-5BD152823DFD}" dt="2022-11-29T05:42:09.100" v="296" actId="478"/>
+          <ac:spMkLst>
+            <pc:docMk/>
+            <pc:sldMk cId="433996266" sldId="260"/>
+            <ac:spMk id="4" creationId="{245897C4-A37B-80A7-D2F1-B8BDC1CDFA89}"/>
+          </ac:spMkLst>
+        </pc:spChg>
+        <pc:spChg chg="add mod">
+          <ac:chgData name="Kaneko Itaru" userId="772eb26533164a99" providerId="LiveId" clId="{AECBED0E-A167-45DA-A7AA-5BD152823DFD}" dt="2022-11-29T05:42:38.581" v="299" actId="962"/>
+          <ac:spMkLst>
+            <pc:docMk/>
+            <pc:sldMk cId="433996266" sldId="260"/>
+            <ac:spMk id="7" creationId="{C837AD1E-3BD1-F011-CFE4-EA0A4BC54209}"/>
+          </ac:spMkLst>
+        </pc:spChg>
+        <pc:picChg chg="add del mod">
+          <ac:chgData name="Kaneko Itaru" userId="772eb26533164a99" providerId="LiveId" clId="{AECBED0E-A167-45DA-A7AA-5BD152823DFD}" dt="2022-11-29T05:42:09.100" v="296" actId="478"/>
+          <ac:picMkLst>
+            <pc:docMk/>
+            <pc:sldMk cId="433996266" sldId="260"/>
+            <ac:picMk id="3" creationId="{E7A0FBB6-67C3-AE26-742C-F0AD6E0EDEB6}"/>
+          </ac:picMkLst>
+        </pc:picChg>
+        <pc:picChg chg="add mod">
+          <ac:chgData name="Kaneko Itaru" userId="772eb26533164a99" providerId="LiveId" clId="{AECBED0E-A167-45DA-A7AA-5BD152823DFD}" dt="2022-11-29T05:42:38.581" v="299" actId="962"/>
+          <ac:picMkLst>
+            <pc:docMk/>
+            <pc:sldMk cId="433996266" sldId="260"/>
+            <ac:picMk id="6" creationId="{E60202D6-56CD-03F6-2BA5-0E0ACB0E1D10}"/>
           </ac:picMkLst>
         </pc:picChg>
       </pc:sldChg>
@@ -2112,7 +2160,7 @@
           <a:p>
             <a:fld id="{60B5B375-844C-4485-A50B-23B03B0832C2}" type="datetimeFigureOut">
               <a:rPr kumimoji="1" lang="ja-JP" altLang="en-US" smtClean="0"/>
-              <a:t>2022/11/28</a:t>
+              <a:t>2022/11/29</a:t>
             </a:fld>
             <a:endParaRPr kumimoji="1" lang="ja-JP" altLang="en-US"/>
           </a:p>
@@ -2342,7 +2390,7 @@
           <a:p>
             <a:fld id="{60B5B375-844C-4485-A50B-23B03B0832C2}" type="datetimeFigureOut">
               <a:rPr kumimoji="1" lang="ja-JP" altLang="en-US" smtClean="0"/>
-              <a:t>2022/11/28</a:t>
+              <a:t>2022/11/29</a:t>
             </a:fld>
             <a:endParaRPr kumimoji="1" lang="ja-JP" altLang="en-US"/>
           </a:p>
@@ -2582,7 +2630,7 @@
           <a:p>
             <a:fld id="{60B5B375-844C-4485-A50B-23B03B0832C2}" type="datetimeFigureOut">
               <a:rPr kumimoji="1" lang="ja-JP" altLang="en-US" smtClean="0"/>
-              <a:t>2022/11/28</a:t>
+              <a:t>2022/11/29</a:t>
             </a:fld>
             <a:endParaRPr kumimoji="1" lang="ja-JP" altLang="en-US"/>
           </a:p>
@@ -2812,7 +2860,7 @@
           <a:p>
             <a:fld id="{60B5B375-844C-4485-A50B-23B03B0832C2}" type="datetimeFigureOut">
               <a:rPr kumimoji="1" lang="ja-JP" altLang="en-US" smtClean="0"/>
-              <a:t>2022/11/28</a:t>
+              <a:t>2022/11/29</a:t>
             </a:fld>
             <a:endParaRPr kumimoji="1" lang="ja-JP" altLang="en-US"/>
           </a:p>
@@ -3087,7 +3135,7 @@
           <a:p>
             <a:fld id="{60B5B375-844C-4485-A50B-23B03B0832C2}" type="datetimeFigureOut">
               <a:rPr kumimoji="1" lang="ja-JP" altLang="en-US" smtClean="0"/>
-              <a:t>2022/11/28</a:t>
+              <a:t>2022/11/29</a:t>
             </a:fld>
             <a:endParaRPr kumimoji="1" lang="ja-JP" altLang="en-US"/>
           </a:p>
@@ -3416,7 +3464,7 @@
           <a:p>
             <a:fld id="{60B5B375-844C-4485-A50B-23B03B0832C2}" type="datetimeFigureOut">
               <a:rPr kumimoji="1" lang="ja-JP" altLang="en-US" smtClean="0"/>
-              <a:t>2022/11/28</a:t>
+              <a:t>2022/11/29</a:t>
             </a:fld>
             <a:endParaRPr kumimoji="1" lang="ja-JP" altLang="en-US"/>
           </a:p>
@@ -3892,7 +3940,7 @@
           <a:p>
             <a:fld id="{60B5B375-844C-4485-A50B-23B03B0832C2}" type="datetimeFigureOut">
               <a:rPr kumimoji="1" lang="ja-JP" altLang="en-US" smtClean="0"/>
-              <a:t>2022/11/28</a:t>
+              <a:t>2022/11/29</a:t>
             </a:fld>
             <a:endParaRPr kumimoji="1" lang="ja-JP" altLang="en-US"/>
           </a:p>
@@ -4033,7 +4081,7 @@
           <a:p>
             <a:fld id="{60B5B375-844C-4485-A50B-23B03B0832C2}" type="datetimeFigureOut">
               <a:rPr kumimoji="1" lang="ja-JP" altLang="en-US" smtClean="0"/>
-              <a:t>2022/11/28</a:t>
+              <a:t>2022/11/29</a:t>
             </a:fld>
             <a:endParaRPr kumimoji="1" lang="ja-JP" altLang="en-US"/>
           </a:p>
@@ -4146,7 +4194,7 @@
           <a:p>
             <a:fld id="{60B5B375-844C-4485-A50B-23B03B0832C2}" type="datetimeFigureOut">
               <a:rPr kumimoji="1" lang="ja-JP" altLang="en-US" smtClean="0"/>
-              <a:t>2022/11/28</a:t>
+              <a:t>2022/11/29</a:t>
             </a:fld>
             <a:endParaRPr kumimoji="1" lang="ja-JP" altLang="en-US"/>
           </a:p>
@@ -4489,7 +4537,7 @@
           <a:p>
             <a:fld id="{60B5B375-844C-4485-A50B-23B03B0832C2}" type="datetimeFigureOut">
               <a:rPr kumimoji="1" lang="ja-JP" altLang="en-US" smtClean="0"/>
-              <a:t>2022/11/28</a:t>
+              <a:t>2022/11/29</a:t>
             </a:fld>
             <a:endParaRPr kumimoji="1" lang="ja-JP" altLang="en-US"/>
           </a:p>
@@ -4777,7 +4825,7 @@
           <a:p>
             <a:fld id="{60B5B375-844C-4485-A50B-23B03B0832C2}" type="datetimeFigureOut">
               <a:rPr kumimoji="1" lang="ja-JP" altLang="en-US" smtClean="0"/>
-              <a:t>2022/11/28</a:t>
+              <a:t>2022/11/29</a:t>
             </a:fld>
             <a:endParaRPr kumimoji="1" lang="ja-JP" altLang="en-US"/>
           </a:p>
@@ -5050,7 +5098,7 @@
           <a:p>
             <a:fld id="{60B5B375-844C-4485-A50B-23B03B0832C2}" type="datetimeFigureOut">
               <a:rPr kumimoji="1" lang="ja-JP" altLang="en-US" smtClean="0"/>
-              <a:t>2022/11/28</a:t>
+              <a:t>2022/11/29</a:t>
             </a:fld>
             <a:endParaRPr kumimoji="1" lang="ja-JP" altLang="en-US"/>
           </a:p>
@@ -5469,6 +5517,82 @@
       </p:grpSpPr>
       <p:sp>
         <p:nvSpPr>
+          <p:cNvPr id="4" name="直方体 3">
+            <a:extLst>
+              <a:ext uri="{FF2B5EF4-FFF2-40B4-BE49-F238E27FC236}">
+                <a16:creationId xmlns:a16="http://schemas.microsoft.com/office/drawing/2014/main" id="{0AAA6CAD-C3E7-D130-795C-D0985FF5EABD}"/>
+              </a:ext>
+            </a:extLst>
+          </p:cNvPr>
+          <p:cNvSpPr/>
+          <p:nvPr/>
+        </p:nvSpPr>
+        <p:spPr>
+          <a:xfrm>
+            <a:off x="2473569" y="2016369"/>
+            <a:ext cx="1981200" cy="1852246"/>
+          </a:xfrm>
+          <a:prstGeom prst="cube">
+            <a:avLst/>
+          </a:prstGeom>
+        </p:spPr>
+        <p:style>
+          <a:lnRef idx="2">
+            <a:schemeClr val="accent1">
+              <a:shade val="50000"/>
+            </a:schemeClr>
+          </a:lnRef>
+          <a:fillRef idx="1">
+            <a:schemeClr val="accent1"/>
+          </a:fillRef>
+          <a:effectRef idx="0">
+            <a:schemeClr val="accent1"/>
+          </a:effectRef>
+          <a:fontRef idx="minor">
+            <a:schemeClr val="lt1"/>
+          </a:fontRef>
+        </p:style>
+        <p:txBody>
+          <a:bodyPr rtlCol="0" anchor="ctr"/>
+          <a:lstStyle/>
+          <a:p>
+            <a:pPr algn="ctr"/>
+            <a:endParaRPr kumimoji="1" lang="ja-JP" altLang="en-US"/>
+          </a:p>
+        </p:txBody>
+      </p:sp>
+    </p:spTree>
+    <p:extLst>
+      <p:ext uri="{BB962C8B-B14F-4D97-AF65-F5344CB8AC3E}">
+        <p14:creationId xmlns:p14="http://schemas.microsoft.com/office/powerpoint/2010/main" val="1983487988"/>
+      </p:ext>
+    </p:extLst>
+  </p:cSld>
+  <p:clrMapOvr>
+    <a:masterClrMapping/>
+  </p:clrMapOvr>
+</p:sld>
+</file>
+
+<file path=ppt/slides/slide2.xml><?xml version="1.0" encoding="utf-8"?>
+<p:sld xmlns:a="http://schemas.openxmlformats.org/drawingml/2006/main" xmlns:r="http://schemas.openxmlformats.org/officeDocument/2006/relationships" xmlns:p="http://schemas.openxmlformats.org/presentationml/2006/main">
+  <p:cSld>
+    <p:spTree>
+      <p:nvGrpSpPr>
+        <p:cNvPr id="1" name=""/>
+        <p:cNvGrpSpPr/>
+        <p:nvPr/>
+      </p:nvGrpSpPr>
+      <p:grpSpPr>
+        <a:xfrm>
+          <a:off x="0" y="0"/>
+          <a:ext cx="0" cy="0"/>
+          <a:chOff x="0" y="0"/>
+          <a:chExt cx="0" cy="0"/>
+        </a:xfrm>
+      </p:grpSpPr>
+      <p:sp>
+        <p:nvSpPr>
           <p:cNvPr id="2" name="正方形/長方形 1">
             <a:extLst>
               <a:ext uri="{FF2B5EF4-FFF2-40B4-BE49-F238E27FC236}">
@@ -5620,7 +5744,7 @@
 </p:sld>
 </file>
 
-<file path=ppt/slides/slide2.xml><?xml version="1.0" encoding="utf-8"?>
+<file path=ppt/slides/slide3.xml><?xml version="1.0" encoding="utf-8"?>
 <p:sld xmlns:a="http://schemas.openxmlformats.org/drawingml/2006/main" xmlns:r="http://schemas.openxmlformats.org/officeDocument/2006/relationships" xmlns:p="http://schemas.openxmlformats.org/presentationml/2006/main">
   <p:cSld>
     <p:spTree>
@@ -5933,7 +6057,7 @@
 </p:sld>
 </file>
 
-<file path=ppt/slides/slide3.xml><?xml version="1.0" encoding="utf-8"?>
+<file path=ppt/slides/slide4.xml><?xml version="1.0" encoding="utf-8"?>
 <p:sld xmlns:a="http://schemas.openxmlformats.org/drawingml/2006/main" xmlns:r="http://schemas.openxmlformats.org/officeDocument/2006/relationships" xmlns:p="http://schemas.openxmlformats.org/presentationml/2006/main">
   <p:cSld>
     <p:spTree>
@@ -6062,6 +6186,126 @@
     <p:extLst>
       <p:ext uri="{BB962C8B-B14F-4D97-AF65-F5344CB8AC3E}">
         <p14:creationId xmlns:p14="http://schemas.microsoft.com/office/powerpoint/2010/main" val="154844026"/>
+      </p:ext>
+    </p:extLst>
+  </p:cSld>
+  <p:clrMapOvr>
+    <a:masterClrMapping/>
+  </p:clrMapOvr>
+</p:sld>
+</file>
+
+<file path=ppt/slides/slide5.xml><?xml version="1.0" encoding="utf-8"?>
+<p:sld xmlns:a="http://schemas.openxmlformats.org/drawingml/2006/main" xmlns:r="http://schemas.openxmlformats.org/officeDocument/2006/relationships" xmlns:p="http://schemas.openxmlformats.org/presentationml/2006/main">
+  <p:cSld>
+    <p:spTree>
+      <p:nvGrpSpPr>
+        <p:cNvPr id="1" name=""/>
+        <p:cNvGrpSpPr/>
+        <p:nvPr/>
+      </p:nvGrpSpPr>
+      <p:grpSpPr>
+        <a:xfrm>
+          <a:off x="0" y="0"/>
+          <a:ext cx="0" cy="0"/>
+          <a:chOff x="0" y="0"/>
+          <a:chExt cx="0" cy="0"/>
+        </a:xfrm>
+      </p:grpSpPr>
+      <p:pic>
+        <p:nvPicPr>
+          <p:cNvPr id="6" name="図 5" descr="屋内, 天井, テーブル, キッチン が含まれている画像&#10;&#10;自動的に生成された説明">
+            <a:extLst>
+              <a:ext uri="{FF2B5EF4-FFF2-40B4-BE49-F238E27FC236}">
+                <a16:creationId xmlns:a16="http://schemas.microsoft.com/office/drawing/2014/main" id="{E60202D6-56CD-03F6-2BA5-0E0ACB0E1D10}"/>
+              </a:ext>
+            </a:extLst>
+          </p:cNvPr>
+          <p:cNvPicPr>
+            <a:picLocks noChangeAspect="1"/>
+          </p:cNvPicPr>
+          <p:nvPr/>
+        </p:nvPicPr>
+        <p:blipFill>
+          <a:blip r:embed="rId2">
+            <a:extLst>
+              <a:ext uri="{28A0092B-C50C-407E-A947-70E740481C1C}">
+                <a14:useLocalDpi xmlns:a14="http://schemas.microsoft.com/office/drawing/2010/main" val="0"/>
+              </a:ext>
+              <a:ext uri="{837473B0-CC2E-450A-ABE3-18F120FF3D39}">
+                <a1611:picAttrSrcUrl xmlns:a1611="http://schemas.microsoft.com/office/drawing/2016/11/main" r:id="rId3"/>
+              </a:ext>
+            </a:extLst>
+          </a:blip>
+          <a:stretch>
+            <a:fillRect/>
+          </a:stretch>
+        </p:blipFill>
+        <p:spPr>
+          <a:xfrm>
+            <a:off x="3302000" y="1333500"/>
+            <a:ext cx="5588000" cy="4191000"/>
+          </a:xfrm>
+          <a:prstGeom prst="rect">
+            <a:avLst/>
+          </a:prstGeom>
+        </p:spPr>
+      </p:pic>
+      <p:sp>
+        <p:nvSpPr>
+          <p:cNvPr id="7" name="テキスト ボックス 6">
+            <a:extLst>
+              <a:ext uri="{FF2B5EF4-FFF2-40B4-BE49-F238E27FC236}">
+                <a16:creationId xmlns:a16="http://schemas.microsoft.com/office/drawing/2014/main" id="{C837AD1E-3BD1-F011-CFE4-EA0A4BC54209}"/>
+              </a:ext>
+            </a:extLst>
+          </p:cNvPr>
+          <p:cNvSpPr txBox="1"/>
+          <p:nvPr/>
+        </p:nvSpPr>
+        <p:spPr>
+          <a:xfrm>
+            <a:off x="3302000" y="5524500"/>
+            <a:ext cx="5588000" cy="230832"/>
+          </a:xfrm>
+          <a:prstGeom prst="rect">
+            <a:avLst/>
+          </a:prstGeom>
+          <a:noFill/>
+        </p:spPr>
+        <p:txBody>
+          <a:bodyPr wrap="square" rtlCol="0">
+            <a:spAutoFit/>
+          </a:bodyPr>
+          <a:lstStyle/>
+          <a:p>
+            <a:r>
+              <a:rPr lang="ja-JP" altLang="en-US" sz="900">
+                <a:hlinkClick r:id="rId3" tooltip="https://en.wikipedia.org/wiki/Open-source_video_game"/>
+              </a:rPr>
+              <a:t>この写真</a:t>
+            </a:r>
+            <a:r>
+              <a:rPr lang="ja-JP" altLang="en-US" sz="900"/>
+              <a:t> の作成者 不明な作成者 は </a:t>
+            </a:r>
+            <a:r>
+              <a:rPr lang="ja-JP" altLang="en-US" sz="900">
+                <a:hlinkClick r:id="rId4" tooltip="https://creativecommons.org/licenses/by-sa/3.0/"/>
+              </a:rPr>
+              <a:t>CC BY-SA</a:t>
+            </a:r>
+            <a:r>
+              <a:rPr lang="ja-JP" altLang="en-US" sz="900"/>
+              <a:t> のライセンスを許諾されています</a:t>
+            </a:r>
+          </a:p>
+        </p:txBody>
+      </p:sp>
+    </p:spTree>
+    <p:extLst>
+      <p:ext uri="{BB962C8B-B14F-4D97-AF65-F5344CB8AC3E}">
+        <p14:creationId xmlns:p14="http://schemas.microsoft.com/office/powerpoint/2010/main" val="433996266"/>
       </p:ext>
     </p:extLst>
   </p:cSld>

--- a/image_src/ref_un_prob_5.pptx
+++ b/image_src/ref_un_prob_5.pptx
@@ -10,6 +10,7 @@
     <p:sldId id="256" r:id="rId4"/>
     <p:sldId id="257" r:id="rId5"/>
     <p:sldId id="260" r:id="rId6"/>
+    <p:sldId id="261" r:id="rId7"/>
   </p:sldIdLst>
   <p:sldSz cx="12192000" cy="6858000"/>
   <p:notesSz cx="6858000" cy="9144000"/>
@@ -119,7 +120,7 @@
 <file path=ppt/revisionInfo.xml><?xml version="1.0" encoding="utf-8"?>
 <p1510:revInfo xmlns:a="http://schemas.openxmlformats.org/drawingml/2006/main" xmlns:r="http://schemas.openxmlformats.org/officeDocument/2006/relationships" xmlns:p1510="http://schemas.microsoft.com/office/powerpoint/2015/10/main">
   <p1510:revLst>
-    <p1510:client id="{AECBED0E-A167-45DA-A7AA-5BD152823DFD}" v="63" dt="2022-11-29T05:42:37.994"/>
+    <p1510:client id="{AECBED0E-A167-45DA-A7AA-5BD152823DFD}" v="68" dt="2022-12-06T09:53:04.247"/>
   </p1510:revLst>
 </p1510:revInfo>
 </file>
@@ -129,7 +130,7 @@
   <pc:docChgLst>
     <pc:chgData name="Kaneko Itaru" userId="772eb26533164a99" providerId="LiveId" clId="{AECBED0E-A167-45DA-A7AA-5BD152823DFD}"/>
     <pc:docChg chg="custSel addSld modSld sldOrd">
-      <pc:chgData name="Kaneko Itaru" userId="772eb26533164a99" providerId="LiveId" clId="{AECBED0E-A167-45DA-A7AA-5BD152823DFD}" dt="2022-11-29T05:42:38.581" v="299" actId="962"/>
+      <pc:chgData name="Kaneko Itaru" userId="772eb26533164a99" providerId="LiveId" clId="{AECBED0E-A167-45DA-A7AA-5BD152823DFD}" dt="2022-12-06T09:53:08.228" v="345" actId="20577"/>
       <pc:docMkLst>
         <pc:docMk/>
       </pc:docMkLst>
@@ -328,6 +329,37 @@
           </ac:picMkLst>
         </pc:picChg>
       </pc:sldChg>
+      <pc:sldChg chg="addSp modSp new mod">
+        <pc:chgData name="Kaneko Itaru" userId="772eb26533164a99" providerId="LiveId" clId="{AECBED0E-A167-45DA-A7AA-5BD152823DFD}" dt="2022-12-06T09:53:08.228" v="345" actId="20577"/>
+        <pc:sldMkLst>
+          <pc:docMk/>
+          <pc:sldMk cId="1456189182" sldId="261"/>
+        </pc:sldMkLst>
+        <pc:spChg chg="add mod">
+          <ac:chgData name="Kaneko Itaru" userId="772eb26533164a99" providerId="LiveId" clId="{AECBED0E-A167-45DA-A7AA-5BD152823DFD}" dt="2022-12-06T09:53:00.568" v="342" actId="1076"/>
+          <ac:spMkLst>
+            <pc:docMk/>
+            <pc:sldMk cId="1456189182" sldId="261"/>
+            <ac:spMk id="5" creationId="{0B9B6FFC-8BF7-5B31-C9A7-D835EF948950}"/>
+          </ac:spMkLst>
+        </pc:spChg>
+        <pc:spChg chg="add mod">
+          <ac:chgData name="Kaneko Itaru" userId="772eb26533164a99" providerId="LiveId" clId="{AECBED0E-A167-45DA-A7AA-5BD152823DFD}" dt="2022-12-06T09:53:08.228" v="345" actId="20577"/>
+          <ac:spMkLst>
+            <pc:docMk/>
+            <pc:sldMk cId="1456189182" sldId="261"/>
+            <ac:spMk id="6" creationId="{28478372-AD71-2B77-EBA4-65B05545A030}"/>
+          </ac:spMkLst>
+        </pc:spChg>
+        <pc:graphicFrameChg chg="add mod">
+          <ac:chgData name="Kaneko Itaru" userId="772eb26533164a99" providerId="LiveId" clId="{AECBED0E-A167-45DA-A7AA-5BD152823DFD}" dt="2022-12-06T09:49:33.517" v="332" actId="14100"/>
+          <ac:graphicFrameMkLst>
+            <pc:docMk/>
+            <pc:sldMk cId="1456189182" sldId="261"/>
+            <ac:graphicFrameMk id="4" creationId="{38D9D97D-FFDC-4059-4F1F-F6E980FAE79F}"/>
+          </ac:graphicFrameMkLst>
+        </pc:graphicFrameChg>
+      </pc:sldChg>
     </pc:docChg>
   </pc:docChgLst>
 </pc:chgInfo>
@@ -901,6 +933,385 @@
 </c:chartSpace>
 </file>
 
+<file path=ppt/charts/chart3.xml><?xml version="1.0" encoding="utf-8"?>
+<c:chartSpace xmlns:c="http://schemas.openxmlformats.org/drawingml/2006/chart" xmlns:a="http://schemas.openxmlformats.org/drawingml/2006/main" xmlns:r="http://schemas.openxmlformats.org/officeDocument/2006/relationships" xmlns:c16r2="http://schemas.microsoft.com/office/drawing/2015/06/chart">
+  <c:date1904 val="0"/>
+  <c:lang val="ja-JP"/>
+  <c:roundedCorners val="0"/>
+  <mc:AlternateContent xmlns:mc="http://schemas.openxmlformats.org/markup-compatibility/2006">
+    <mc:Choice xmlns:c14="http://schemas.microsoft.com/office/drawing/2007/8/2/chart" Requires="c14">
+      <c14:style val="102"/>
+    </mc:Choice>
+    <mc:Fallback>
+      <c:style val="2"/>
+    </mc:Fallback>
+  </mc:AlternateContent>
+  <c:chart>
+    <c:autoTitleDeleted val="1"/>
+    <c:plotArea>
+      <c:layout/>
+      <c:scatterChart>
+        <c:scatterStyle val="lineMarker"/>
+        <c:varyColors val="0"/>
+        <c:ser>
+          <c:idx val="0"/>
+          <c:order val="0"/>
+          <c:tx>
+            <c:strRef>
+              <c:f>Sheet1!$F$1</c:f>
+              <c:strCache>
+                <c:ptCount val="1"/>
+                <c:pt idx="0">
+                  <c:v>y</c:v>
+                </c:pt>
+              </c:strCache>
+            </c:strRef>
+          </c:tx>
+          <c:spPr>
+            <a:ln w="19050" cap="rnd">
+              <a:noFill/>
+              <a:round/>
+            </a:ln>
+            <a:effectLst/>
+          </c:spPr>
+          <c:marker>
+            <c:symbol val="circle"/>
+            <c:size val="5"/>
+            <c:spPr>
+              <a:solidFill>
+                <a:schemeClr val="accent1"/>
+              </a:solidFill>
+              <a:ln w="9525">
+                <a:solidFill>
+                  <a:schemeClr val="accent1"/>
+                </a:solidFill>
+              </a:ln>
+              <a:effectLst/>
+            </c:spPr>
+          </c:marker>
+          <c:xVal>
+            <c:numRef>
+              <c:f>Sheet1!$E$2:$E$21</c:f>
+              <c:numCache>
+                <c:formatCode>General</c:formatCode>
+                <c:ptCount val="20"/>
+                <c:pt idx="0">
+                  <c:v>0.65938168289840537</c:v>
+                </c:pt>
+                <c:pt idx="1">
+                  <c:v>0.31360092238724357</c:v>
+                </c:pt>
+                <c:pt idx="2">
+                  <c:v>0.59181705407650997</c:v>
+                </c:pt>
+                <c:pt idx="3">
+                  <c:v>0.64439625818556179</c:v>
+                </c:pt>
+                <c:pt idx="4">
+                  <c:v>0.18405283899817848</c:v>
+                </c:pt>
+                <c:pt idx="5">
+                  <c:v>0.55953610045221491</c:v>
+                </c:pt>
+                <c:pt idx="6">
+                  <c:v>4.7024867468512088E-2</c:v>
+                </c:pt>
+                <c:pt idx="7">
+                  <c:v>0.75806844214609348</c:v>
+                </c:pt>
+                <c:pt idx="8">
+                  <c:v>0.41985088102489843</c:v>
+                </c:pt>
+                <c:pt idx="9">
+                  <c:v>6.3677832261986422E-2</c:v>
+                </c:pt>
+                <c:pt idx="10">
+                  <c:v>0.28977072362516543</c:v>
+                </c:pt>
+                <c:pt idx="11">
+                  <c:v>0.3225477249636497</c:v>
+                </c:pt>
+                <c:pt idx="12">
+                  <c:v>0.95098475786355918</c:v>
+                </c:pt>
+                <c:pt idx="13">
+                  <c:v>0.39687950550150031</c:v>
+                </c:pt>
+                <c:pt idx="14">
+                  <c:v>7.0277602250508719E-2</c:v>
+                </c:pt>
+                <c:pt idx="15">
+                  <c:v>0.66732769113807511</c:v>
+                </c:pt>
+                <c:pt idx="16">
+                  <c:v>0.67008929302474474</c:v>
+                </c:pt>
+                <c:pt idx="17">
+                  <c:v>0.57403692164538023</c:v>
+                </c:pt>
+                <c:pt idx="18">
+                  <c:v>0.93232170976637019</c:v>
+                </c:pt>
+                <c:pt idx="19">
+                  <c:v>6.1754240239112024E-2</c:v>
+                </c:pt>
+              </c:numCache>
+            </c:numRef>
+          </c:xVal>
+          <c:yVal>
+            <c:numRef>
+              <c:f>Sheet1!$F$2:$F$21</c:f>
+              <c:numCache>
+                <c:formatCode>General</c:formatCode>
+                <c:ptCount val="20"/>
+                <c:pt idx="0">
+                  <c:v>0.67675229448995833</c:v>
+                </c:pt>
+                <c:pt idx="1">
+                  <c:v>0.34305622822651843</c:v>
+                </c:pt>
+                <c:pt idx="2">
+                  <c:v>0.59352115326283261</c:v>
+                </c:pt>
+                <c:pt idx="3">
+                  <c:v>0.64234028872747539</c:v>
+                </c:pt>
+                <c:pt idx="4">
+                  <c:v>0.26375742484757492</c:v>
+                </c:pt>
+                <c:pt idx="5">
+                  <c:v>0.60057567645282495</c:v>
+                </c:pt>
+                <c:pt idx="6">
+                  <c:v>0.13519889229853732</c:v>
+                </c:pt>
+                <c:pt idx="7">
+                  <c:v>0.73803139352179414</c:v>
+                </c:pt>
+                <c:pt idx="8">
+                  <c:v>0.43007117635080705</c:v>
+                </c:pt>
+                <c:pt idx="9">
+                  <c:v>0.1125661289173587</c:v>
+                </c:pt>
+                <c:pt idx="10">
+                  <c:v>0.33045201767856475</c:v>
+                </c:pt>
+                <c:pt idx="11">
+                  <c:v>0.34744224545353181</c:v>
+                </c:pt>
+                <c:pt idx="12">
+                  <c:v>0.95355295526007167</c:v>
+                </c:pt>
+                <c:pt idx="13">
+                  <c:v>0.45539613358027392</c:v>
+                </c:pt>
+                <c:pt idx="14">
+                  <c:v>0.11487622706986549</c:v>
+                </c:pt>
+                <c:pt idx="15">
+                  <c:v>0.66158181172497221</c:v>
+                </c:pt>
+                <c:pt idx="16">
+                  <c:v>0.65568783180062695</c:v>
+                </c:pt>
+                <c:pt idx="17">
+                  <c:v>0.59352259845588129</c:v>
+                </c:pt>
+                <c:pt idx="18">
+                  <c:v>0.91420650247741564</c:v>
+                </c:pt>
+                <c:pt idx="19">
+                  <c:v>0.12965895244010295</c:v>
+                </c:pt>
+              </c:numCache>
+            </c:numRef>
+          </c:yVal>
+          <c:smooth val="0"/>
+          <c:extLst>
+            <c:ext xmlns:c16="http://schemas.microsoft.com/office/drawing/2014/chart" uri="{C3380CC4-5D6E-409C-BE32-E72D297353CC}">
+              <c16:uniqueId val="{00000000-4923-4618-B9B0-AC578C1687F7}"/>
+            </c:ext>
+          </c:extLst>
+        </c:ser>
+        <c:dLbls>
+          <c:showLegendKey val="0"/>
+          <c:showVal val="0"/>
+          <c:showCatName val="0"/>
+          <c:showSerName val="0"/>
+          <c:showPercent val="0"/>
+          <c:showBubbleSize val="0"/>
+        </c:dLbls>
+        <c:axId val="569801200"/>
+        <c:axId val="569796624"/>
+      </c:scatterChart>
+      <c:valAx>
+        <c:axId val="569801200"/>
+        <c:scaling>
+          <c:orientation val="minMax"/>
+        </c:scaling>
+        <c:delete val="0"/>
+        <c:axPos val="b"/>
+        <c:majorGridlines>
+          <c:spPr>
+            <a:ln w="9525" cap="flat" cmpd="sng" algn="ctr">
+              <a:solidFill>
+                <a:schemeClr val="tx1">
+                  <a:lumMod val="15000"/>
+                  <a:lumOff val="85000"/>
+                </a:schemeClr>
+              </a:solidFill>
+              <a:round/>
+            </a:ln>
+            <a:effectLst/>
+          </c:spPr>
+        </c:majorGridlines>
+        <c:numFmt formatCode="General" sourceLinked="1"/>
+        <c:majorTickMark val="none"/>
+        <c:minorTickMark val="none"/>
+        <c:tickLblPos val="nextTo"/>
+        <c:spPr>
+          <a:noFill/>
+          <a:ln w="9525" cap="flat" cmpd="sng" algn="ctr">
+            <a:solidFill>
+              <a:schemeClr val="tx1">
+                <a:lumMod val="25000"/>
+                <a:lumOff val="75000"/>
+              </a:schemeClr>
+            </a:solidFill>
+            <a:round/>
+          </a:ln>
+          <a:effectLst/>
+        </c:spPr>
+        <c:txPr>
+          <a:bodyPr rot="-60000000" spcFirstLastPara="1" vertOverflow="ellipsis" vert="horz" wrap="square" anchor="ctr" anchorCtr="1"/>
+          <a:lstStyle/>
+          <a:p>
+            <a:pPr>
+              <a:defRPr sz="1197" b="0" i="0" u="none" strike="noStrike" kern="1200" baseline="0">
+                <a:solidFill>
+                  <a:schemeClr val="tx1">
+                    <a:lumMod val="65000"/>
+                    <a:lumOff val="35000"/>
+                  </a:schemeClr>
+                </a:solidFill>
+                <a:latin typeface="+mn-lt"/>
+                <a:ea typeface="+mn-ea"/>
+                <a:cs typeface="+mn-cs"/>
+              </a:defRPr>
+            </a:pPr>
+            <a:endParaRPr lang="ja-JP"/>
+          </a:p>
+        </c:txPr>
+        <c:crossAx val="569796624"/>
+        <c:crosses val="autoZero"/>
+        <c:crossBetween val="midCat"/>
+      </c:valAx>
+      <c:valAx>
+        <c:axId val="569796624"/>
+        <c:scaling>
+          <c:orientation val="minMax"/>
+          <c:max val="1"/>
+        </c:scaling>
+        <c:delete val="0"/>
+        <c:axPos val="l"/>
+        <c:majorGridlines>
+          <c:spPr>
+            <a:ln w="9525" cap="flat" cmpd="sng" algn="ctr">
+              <a:solidFill>
+                <a:schemeClr val="tx1">
+                  <a:lumMod val="15000"/>
+                  <a:lumOff val="85000"/>
+                </a:schemeClr>
+              </a:solidFill>
+              <a:round/>
+            </a:ln>
+            <a:effectLst/>
+          </c:spPr>
+        </c:majorGridlines>
+        <c:numFmt formatCode="General" sourceLinked="1"/>
+        <c:majorTickMark val="none"/>
+        <c:minorTickMark val="none"/>
+        <c:tickLblPos val="nextTo"/>
+        <c:spPr>
+          <a:noFill/>
+          <a:ln w="9525" cap="flat" cmpd="sng" algn="ctr">
+            <a:solidFill>
+              <a:schemeClr val="tx1">
+                <a:lumMod val="25000"/>
+                <a:lumOff val="75000"/>
+              </a:schemeClr>
+            </a:solidFill>
+            <a:round/>
+          </a:ln>
+          <a:effectLst/>
+        </c:spPr>
+        <c:txPr>
+          <a:bodyPr rot="-60000000" spcFirstLastPara="1" vertOverflow="ellipsis" vert="horz" wrap="square" anchor="ctr" anchorCtr="1"/>
+          <a:lstStyle/>
+          <a:p>
+            <a:pPr>
+              <a:defRPr sz="1197" b="0" i="0" u="none" strike="noStrike" kern="1200" baseline="0">
+                <a:solidFill>
+                  <a:schemeClr val="tx1">
+                    <a:lumMod val="65000"/>
+                    <a:lumOff val="35000"/>
+                  </a:schemeClr>
+                </a:solidFill>
+                <a:latin typeface="+mn-lt"/>
+                <a:ea typeface="+mn-ea"/>
+                <a:cs typeface="+mn-cs"/>
+              </a:defRPr>
+            </a:pPr>
+            <a:endParaRPr lang="ja-JP"/>
+          </a:p>
+        </c:txPr>
+        <c:crossAx val="569801200"/>
+        <c:crosses val="autoZero"/>
+        <c:crossBetween val="midCat"/>
+      </c:valAx>
+      <c:spPr>
+        <a:noFill/>
+        <a:ln>
+          <a:noFill/>
+        </a:ln>
+        <a:effectLst/>
+      </c:spPr>
+    </c:plotArea>
+    <c:plotVisOnly val="1"/>
+    <c:dispBlanksAs val="gap"/>
+    <c:extLst>
+      <c:ext xmlns:c16r3="http://schemas.microsoft.com/office/drawing/2017/03/chart" uri="{56B9EC1D-385E-4148-901F-78D8002777C0}">
+        <c16r3:dataDisplayOptions16>
+          <c16r3:dispNaAsBlank val="1"/>
+        </c16r3:dataDisplayOptions16>
+      </c:ext>
+    </c:extLst>
+    <c:showDLblsOverMax val="0"/>
+  </c:chart>
+  <c:spPr>
+    <a:noFill/>
+    <a:ln>
+      <a:noFill/>
+    </a:ln>
+    <a:effectLst/>
+  </c:spPr>
+  <c:txPr>
+    <a:bodyPr/>
+    <a:lstStyle/>
+    <a:p>
+      <a:pPr>
+        <a:defRPr/>
+      </a:pPr>
+      <a:endParaRPr lang="ja-JP"/>
+    </a:p>
+  </c:txPr>
+  <c:externalData r:id="rId3">
+    <c:autoUpdate val="0"/>
+  </c:externalData>
+</c:chartSpace>
+</file>
+
 <file path=ppt/charts/colors1.xml><?xml version="1.0" encoding="utf-8"?>
 <cs:colorStyle xmlns:cs="http://schemas.microsoft.com/office/drawing/2012/chartStyle" xmlns:a="http://schemas.openxmlformats.org/drawingml/2006/main" meth="cycle" id="10">
   <a:schemeClr val="accent1"/>
@@ -981,6 +1392,46 @@
 </cs:colorStyle>
 </file>
 
+<file path=ppt/charts/colors3.xml><?xml version="1.0" encoding="utf-8"?>
+<cs:colorStyle xmlns:cs="http://schemas.microsoft.com/office/drawing/2012/chartStyle" xmlns:a="http://schemas.openxmlformats.org/drawingml/2006/main" meth="cycle" id="10">
+  <a:schemeClr val="accent1"/>
+  <a:schemeClr val="accent2"/>
+  <a:schemeClr val="accent3"/>
+  <a:schemeClr val="accent4"/>
+  <a:schemeClr val="accent5"/>
+  <a:schemeClr val="accent6"/>
+  <cs:variation/>
+  <cs:variation>
+    <a:lumMod val="60000"/>
+  </cs:variation>
+  <cs:variation>
+    <a:lumMod val="80000"/>
+    <a:lumOff val="20000"/>
+  </cs:variation>
+  <cs:variation>
+    <a:lumMod val="80000"/>
+  </cs:variation>
+  <cs:variation>
+    <a:lumMod val="60000"/>
+    <a:lumOff val="40000"/>
+  </cs:variation>
+  <cs:variation>
+    <a:lumMod val="50000"/>
+  </cs:variation>
+  <cs:variation>
+    <a:lumMod val="70000"/>
+    <a:lumOff val="30000"/>
+  </cs:variation>
+  <cs:variation>
+    <a:lumMod val="70000"/>
+  </cs:variation>
+  <cs:variation>
+    <a:lumMod val="50000"/>
+    <a:lumOff val="50000"/>
+  </cs:variation>
+</cs:colorStyle>
+</file>
+
 <file path=ppt/charts/style1.xml><?xml version="1.0" encoding="utf-8"?>
 <cs:chartStyle xmlns:cs="http://schemas.microsoft.com/office/drawing/2012/chartStyle" xmlns:a="http://schemas.openxmlformats.org/drawingml/2006/main" id="227">
   <cs:axisTitle>
@@ -1994,6 +2445,522 @@
         <a:lumOff val="35000"/>
       </a:schemeClr>
     </cs:fontRef>
+    <cs:defRPr sz="1197" kern="1200"/>
+  </cs:valueAxis>
+  <cs:wall>
+    <cs:lnRef idx="0"/>
+    <cs:fillRef idx="0"/>
+    <cs:effectRef idx="0"/>
+    <cs:fontRef idx="minor">
+      <a:schemeClr val="tx1"/>
+    </cs:fontRef>
+    <cs:spPr>
+      <a:noFill/>
+      <a:ln>
+        <a:noFill/>
+      </a:ln>
+    </cs:spPr>
+  </cs:wall>
+</cs:chartStyle>
+</file>
+
+<file path=ppt/charts/style3.xml><?xml version="1.0" encoding="utf-8"?>
+<cs:chartStyle xmlns:cs="http://schemas.microsoft.com/office/drawing/2012/chartStyle" xmlns:a="http://schemas.openxmlformats.org/drawingml/2006/main" id="240">
+  <cs:axisTitle>
+    <cs:lnRef idx="0"/>
+    <cs:fillRef idx="0"/>
+    <cs:effectRef idx="0"/>
+    <cs:fontRef idx="minor">
+      <a:schemeClr val="tx1">
+        <a:lumMod val="65000"/>
+        <a:lumOff val="35000"/>
+      </a:schemeClr>
+    </cs:fontRef>
+    <cs:defRPr sz="1330" kern="1200"/>
+  </cs:axisTitle>
+  <cs:categoryAxis>
+    <cs:lnRef idx="0"/>
+    <cs:fillRef idx="0"/>
+    <cs:effectRef idx="0"/>
+    <cs:fontRef idx="minor">
+      <a:schemeClr val="tx1">
+        <a:lumMod val="65000"/>
+        <a:lumOff val="35000"/>
+      </a:schemeClr>
+    </cs:fontRef>
+    <cs:spPr>
+      <a:ln w="9525" cap="flat" cmpd="sng" algn="ctr">
+        <a:solidFill>
+          <a:schemeClr val="tx1">
+            <a:lumMod val="25000"/>
+            <a:lumOff val="75000"/>
+          </a:schemeClr>
+        </a:solidFill>
+        <a:round/>
+      </a:ln>
+    </cs:spPr>
+    <cs:defRPr sz="1197" kern="1200"/>
+  </cs:categoryAxis>
+  <cs:chartArea mods="allowNoFillOverride allowNoLineOverride">
+    <cs:lnRef idx="0"/>
+    <cs:fillRef idx="0"/>
+    <cs:effectRef idx="0"/>
+    <cs:fontRef idx="minor">
+      <a:schemeClr val="tx1"/>
+    </cs:fontRef>
+    <cs:spPr>
+      <a:solidFill>
+        <a:schemeClr val="bg1"/>
+      </a:solidFill>
+      <a:ln w="9525" cap="flat" cmpd="sng" algn="ctr">
+        <a:solidFill>
+          <a:schemeClr val="tx1">
+            <a:lumMod val="15000"/>
+            <a:lumOff val="85000"/>
+          </a:schemeClr>
+        </a:solidFill>
+        <a:round/>
+      </a:ln>
+    </cs:spPr>
+    <cs:defRPr sz="1330" kern="1200"/>
+  </cs:chartArea>
+  <cs:dataLabel>
+    <cs:lnRef idx="0"/>
+    <cs:fillRef idx="0"/>
+    <cs:effectRef idx="0"/>
+    <cs:fontRef idx="minor">
+      <a:schemeClr val="tx1">
+        <a:lumMod val="75000"/>
+        <a:lumOff val="25000"/>
+      </a:schemeClr>
+    </cs:fontRef>
+    <cs:defRPr sz="1197" kern="1200"/>
+  </cs:dataLabel>
+  <cs:dataLabelCallout>
+    <cs:lnRef idx="0"/>
+    <cs:fillRef idx="0"/>
+    <cs:effectRef idx="0"/>
+    <cs:fontRef idx="minor">
+      <a:schemeClr val="dk1">
+        <a:lumMod val="65000"/>
+        <a:lumOff val="35000"/>
+      </a:schemeClr>
+    </cs:fontRef>
+    <cs:spPr>
+      <a:solidFill>
+        <a:schemeClr val="lt1"/>
+      </a:solidFill>
+      <a:ln>
+        <a:solidFill>
+          <a:schemeClr val="dk1">
+            <a:lumMod val="25000"/>
+            <a:lumOff val="75000"/>
+          </a:schemeClr>
+        </a:solidFill>
+      </a:ln>
+    </cs:spPr>
+    <cs:defRPr sz="1197" kern="1200"/>
+    <cs:bodyPr rot="0" spcFirstLastPara="1" vertOverflow="clip" horzOverflow="clip" vert="horz" wrap="square" lIns="36576" tIns="18288" rIns="36576" bIns="18288" anchor="ctr" anchorCtr="1">
+      <a:spAutoFit/>
+    </cs:bodyPr>
+  </cs:dataLabelCallout>
+  <cs:dataPoint>
+    <cs:lnRef idx="0"/>
+    <cs:fillRef idx="1">
+      <cs:styleClr val="auto"/>
+    </cs:fillRef>
+    <cs:effectRef idx="0"/>
+    <cs:fontRef idx="minor">
+      <a:schemeClr val="tx1"/>
+    </cs:fontRef>
+  </cs:dataPoint>
+  <cs:dataPoint3D>
+    <cs:lnRef idx="0"/>
+    <cs:fillRef idx="1">
+      <cs:styleClr val="auto"/>
+    </cs:fillRef>
+    <cs:effectRef idx="0"/>
+    <cs:fontRef idx="minor">
+      <a:schemeClr val="tx1"/>
+    </cs:fontRef>
+  </cs:dataPoint3D>
+  <cs:dataPointLine>
+    <cs:lnRef idx="0">
+      <cs:styleClr val="auto"/>
+    </cs:lnRef>
+    <cs:fillRef idx="1"/>
+    <cs:effectRef idx="0"/>
+    <cs:fontRef idx="minor">
+      <a:schemeClr val="tx1"/>
+    </cs:fontRef>
+    <cs:spPr>
+      <a:ln w="19050" cap="rnd">
+        <a:solidFill>
+          <a:schemeClr val="phClr"/>
+        </a:solidFill>
+        <a:round/>
+      </a:ln>
+    </cs:spPr>
+  </cs:dataPointLine>
+  <cs:dataPointMarker>
+    <cs:lnRef idx="0">
+      <cs:styleClr val="auto"/>
+    </cs:lnRef>
+    <cs:fillRef idx="1">
+      <cs:styleClr val="auto"/>
+    </cs:fillRef>
+    <cs:effectRef idx="0"/>
+    <cs:fontRef idx="minor">
+      <a:schemeClr val="tx1"/>
+    </cs:fontRef>
+    <cs:spPr>
+      <a:ln w="9525">
+        <a:solidFill>
+          <a:schemeClr val="phClr"/>
+        </a:solidFill>
+      </a:ln>
+    </cs:spPr>
+  </cs:dataPointMarker>
+  <cs:dataPointMarkerLayout symbol="circle" size="5"/>
+  <cs:dataPointWireframe>
+    <cs:lnRef idx="0">
+      <cs:styleClr val="auto"/>
+    </cs:lnRef>
+    <cs:fillRef idx="0"/>
+    <cs:effectRef idx="0"/>
+    <cs:fontRef idx="minor">
+      <a:schemeClr val="dk1"/>
+    </cs:fontRef>
+    <cs:spPr>
+      <a:ln w="9525" cap="rnd">
+        <a:solidFill>
+          <a:schemeClr val="phClr"/>
+        </a:solidFill>
+        <a:round/>
+      </a:ln>
+    </cs:spPr>
+  </cs:dataPointWireframe>
+  <cs:dataTable>
+    <cs:lnRef idx="0"/>
+    <cs:fillRef idx="0"/>
+    <cs:effectRef idx="0"/>
+    <cs:fontRef idx="minor">
+      <a:schemeClr val="tx1">
+        <a:lumMod val="65000"/>
+        <a:lumOff val="35000"/>
+      </a:schemeClr>
+    </cs:fontRef>
+    <cs:spPr>
+      <a:noFill/>
+      <a:ln w="9525" cap="flat" cmpd="sng" algn="ctr">
+        <a:solidFill>
+          <a:schemeClr val="tx1">
+            <a:lumMod val="15000"/>
+            <a:lumOff val="85000"/>
+          </a:schemeClr>
+        </a:solidFill>
+        <a:round/>
+      </a:ln>
+    </cs:spPr>
+    <cs:defRPr sz="1197" kern="1200"/>
+  </cs:dataTable>
+  <cs:downBar>
+    <cs:lnRef idx="0"/>
+    <cs:fillRef idx="0"/>
+    <cs:effectRef idx="0"/>
+    <cs:fontRef idx="minor">
+      <a:schemeClr val="tx1"/>
+    </cs:fontRef>
+    <cs:spPr>
+      <a:solidFill>
+        <a:schemeClr val="dk1">
+          <a:lumMod val="75000"/>
+          <a:lumOff val="25000"/>
+        </a:schemeClr>
+      </a:solidFill>
+      <a:ln w="9525" cap="flat" cmpd="sng" algn="ctr">
+        <a:solidFill>
+          <a:schemeClr val="tx1">
+            <a:lumMod val="65000"/>
+            <a:lumOff val="35000"/>
+          </a:schemeClr>
+        </a:solidFill>
+        <a:round/>
+      </a:ln>
+    </cs:spPr>
+  </cs:downBar>
+  <cs:dropLine>
+    <cs:lnRef idx="0"/>
+    <cs:fillRef idx="0"/>
+    <cs:effectRef idx="0"/>
+    <cs:fontRef idx="minor">
+      <a:schemeClr val="tx1"/>
+    </cs:fontRef>
+    <cs:spPr>
+      <a:ln w="9525" cap="flat" cmpd="sng" algn="ctr">
+        <a:solidFill>
+          <a:schemeClr val="tx1">
+            <a:lumMod val="35000"/>
+            <a:lumOff val="65000"/>
+          </a:schemeClr>
+        </a:solidFill>
+        <a:round/>
+      </a:ln>
+    </cs:spPr>
+  </cs:dropLine>
+  <cs:errorBar>
+    <cs:lnRef idx="0"/>
+    <cs:fillRef idx="0"/>
+    <cs:effectRef idx="0"/>
+    <cs:fontRef idx="minor">
+      <a:schemeClr val="tx1"/>
+    </cs:fontRef>
+    <cs:spPr>
+      <a:ln w="9525" cap="flat" cmpd="sng" algn="ctr">
+        <a:solidFill>
+          <a:schemeClr val="tx1">
+            <a:lumMod val="65000"/>
+            <a:lumOff val="35000"/>
+          </a:schemeClr>
+        </a:solidFill>
+        <a:round/>
+      </a:ln>
+    </cs:spPr>
+  </cs:errorBar>
+  <cs:floor>
+    <cs:lnRef idx="0"/>
+    <cs:fillRef idx="0"/>
+    <cs:effectRef idx="0"/>
+    <cs:fontRef idx="minor">
+      <a:schemeClr val="tx1"/>
+    </cs:fontRef>
+    <cs:spPr>
+      <a:noFill/>
+      <a:ln>
+        <a:noFill/>
+      </a:ln>
+    </cs:spPr>
+  </cs:floor>
+  <cs:gridlineMajor>
+    <cs:lnRef idx="0"/>
+    <cs:fillRef idx="0"/>
+    <cs:effectRef idx="0"/>
+    <cs:fontRef idx="minor">
+      <a:schemeClr val="tx1"/>
+    </cs:fontRef>
+    <cs:spPr>
+      <a:ln w="9525" cap="flat" cmpd="sng" algn="ctr">
+        <a:solidFill>
+          <a:schemeClr val="tx1">
+            <a:lumMod val="15000"/>
+            <a:lumOff val="85000"/>
+          </a:schemeClr>
+        </a:solidFill>
+        <a:round/>
+      </a:ln>
+    </cs:spPr>
+  </cs:gridlineMajor>
+  <cs:gridlineMinor>
+    <cs:lnRef idx="0"/>
+    <cs:fillRef idx="0"/>
+    <cs:effectRef idx="0"/>
+    <cs:fontRef idx="minor">
+      <a:schemeClr val="tx1"/>
+    </cs:fontRef>
+    <cs:spPr>
+      <a:ln w="9525" cap="flat" cmpd="sng" algn="ctr">
+        <a:solidFill>
+          <a:schemeClr val="tx1">
+            <a:lumMod val="5000"/>
+            <a:lumOff val="95000"/>
+          </a:schemeClr>
+        </a:solidFill>
+        <a:round/>
+      </a:ln>
+    </cs:spPr>
+  </cs:gridlineMinor>
+  <cs:hiLoLine>
+    <cs:lnRef idx="0"/>
+    <cs:fillRef idx="0"/>
+    <cs:effectRef idx="0"/>
+    <cs:fontRef idx="minor">
+      <a:schemeClr val="tx1"/>
+    </cs:fontRef>
+    <cs:spPr>
+      <a:ln w="9525" cap="flat" cmpd="sng" algn="ctr">
+        <a:solidFill>
+          <a:schemeClr val="tx1">
+            <a:lumMod val="50000"/>
+            <a:lumOff val="50000"/>
+          </a:schemeClr>
+        </a:solidFill>
+        <a:round/>
+      </a:ln>
+    </cs:spPr>
+  </cs:hiLoLine>
+  <cs:leaderLine>
+    <cs:lnRef idx="0"/>
+    <cs:fillRef idx="0"/>
+    <cs:effectRef idx="0"/>
+    <cs:fontRef idx="minor">
+      <a:schemeClr val="tx1"/>
+    </cs:fontRef>
+    <cs:spPr>
+      <a:ln w="9525" cap="flat" cmpd="sng" algn="ctr">
+        <a:solidFill>
+          <a:schemeClr val="tx1">
+            <a:lumMod val="35000"/>
+            <a:lumOff val="65000"/>
+          </a:schemeClr>
+        </a:solidFill>
+        <a:round/>
+      </a:ln>
+    </cs:spPr>
+  </cs:leaderLine>
+  <cs:legend>
+    <cs:lnRef idx="0"/>
+    <cs:fillRef idx="0"/>
+    <cs:effectRef idx="0"/>
+    <cs:fontRef idx="minor">
+      <a:schemeClr val="tx1">
+        <a:lumMod val="65000"/>
+        <a:lumOff val="35000"/>
+      </a:schemeClr>
+    </cs:fontRef>
+    <cs:defRPr sz="1197" kern="1200"/>
+  </cs:legend>
+  <cs:plotArea mods="allowNoFillOverride allowNoLineOverride">
+    <cs:lnRef idx="0"/>
+    <cs:fillRef idx="0"/>
+    <cs:effectRef idx="0"/>
+    <cs:fontRef idx="minor">
+      <a:schemeClr val="tx1"/>
+    </cs:fontRef>
+  </cs:plotArea>
+  <cs:plotArea3D mods="allowNoFillOverride allowNoLineOverride">
+    <cs:lnRef idx="0"/>
+    <cs:fillRef idx="0"/>
+    <cs:effectRef idx="0"/>
+    <cs:fontRef idx="minor">
+      <a:schemeClr val="tx1"/>
+    </cs:fontRef>
+  </cs:plotArea3D>
+  <cs:seriesAxis>
+    <cs:lnRef idx="0"/>
+    <cs:fillRef idx="0"/>
+    <cs:effectRef idx="0"/>
+    <cs:fontRef idx="minor">
+      <a:schemeClr val="tx1">
+        <a:lumMod val="65000"/>
+        <a:lumOff val="35000"/>
+      </a:schemeClr>
+    </cs:fontRef>
+    <cs:defRPr sz="1197" kern="1200"/>
+  </cs:seriesAxis>
+  <cs:seriesLine>
+    <cs:lnRef idx="0"/>
+    <cs:fillRef idx="0"/>
+    <cs:effectRef idx="0"/>
+    <cs:fontRef idx="minor">
+      <a:schemeClr val="tx1"/>
+    </cs:fontRef>
+    <cs:spPr>
+      <a:ln w="9525" cap="flat" cmpd="sng" algn="ctr">
+        <a:solidFill>
+          <a:schemeClr val="tx1">
+            <a:lumMod val="35000"/>
+            <a:lumOff val="65000"/>
+          </a:schemeClr>
+        </a:solidFill>
+        <a:round/>
+      </a:ln>
+    </cs:spPr>
+  </cs:seriesLine>
+  <cs:title>
+    <cs:lnRef idx="0"/>
+    <cs:fillRef idx="0"/>
+    <cs:effectRef idx="0"/>
+    <cs:fontRef idx="minor">
+      <a:schemeClr val="tx1">
+        <a:lumMod val="65000"/>
+        <a:lumOff val="35000"/>
+      </a:schemeClr>
+    </cs:fontRef>
+    <cs:defRPr sz="1862" b="0" kern="1200" spc="0" baseline="0"/>
+  </cs:title>
+  <cs:trendline>
+    <cs:lnRef idx="0">
+      <cs:styleClr val="auto"/>
+    </cs:lnRef>
+    <cs:fillRef idx="0"/>
+    <cs:effectRef idx="0"/>
+    <cs:fontRef idx="minor">
+      <a:schemeClr val="tx1"/>
+    </cs:fontRef>
+    <cs:spPr>
+      <a:ln w="19050" cap="rnd">
+        <a:solidFill>
+          <a:schemeClr val="phClr"/>
+        </a:solidFill>
+        <a:prstDash val="sysDot"/>
+      </a:ln>
+    </cs:spPr>
+  </cs:trendline>
+  <cs:trendlineLabel>
+    <cs:lnRef idx="0"/>
+    <cs:fillRef idx="0"/>
+    <cs:effectRef idx="0"/>
+    <cs:fontRef idx="minor">
+      <a:schemeClr val="tx1">
+        <a:lumMod val="65000"/>
+        <a:lumOff val="35000"/>
+      </a:schemeClr>
+    </cs:fontRef>
+    <cs:defRPr sz="1197" kern="1200"/>
+  </cs:trendlineLabel>
+  <cs:upBar>
+    <cs:lnRef idx="0"/>
+    <cs:fillRef idx="0"/>
+    <cs:effectRef idx="0"/>
+    <cs:fontRef idx="minor">
+      <a:schemeClr val="tx1"/>
+    </cs:fontRef>
+    <cs:spPr>
+      <a:solidFill>
+        <a:schemeClr val="lt1"/>
+      </a:solidFill>
+      <a:ln w="9525" cap="flat" cmpd="sng" algn="ctr">
+        <a:solidFill>
+          <a:schemeClr val="tx1">
+            <a:lumMod val="65000"/>
+            <a:lumOff val="35000"/>
+          </a:schemeClr>
+        </a:solidFill>
+        <a:round/>
+      </a:ln>
+    </cs:spPr>
+  </cs:upBar>
+  <cs:valueAxis>
+    <cs:lnRef idx="0"/>
+    <cs:fillRef idx="0"/>
+    <cs:effectRef idx="0"/>
+    <cs:fontRef idx="minor">
+      <a:schemeClr val="tx1">
+        <a:lumMod val="65000"/>
+        <a:lumOff val="35000"/>
+      </a:schemeClr>
+    </cs:fontRef>
+    <cs:spPr>
+      <a:ln w="9525" cap="flat" cmpd="sng" algn="ctr">
+        <a:solidFill>
+          <a:schemeClr val="tx1">
+            <a:lumMod val="25000"/>
+            <a:lumOff val="75000"/>
+          </a:schemeClr>
+        </a:solidFill>
+        <a:round/>
+      </a:ln>
+    </cs:spPr>
     <cs:defRPr sz="1197" kern="1200"/>
   </cs:valueAxis>
   <cs:wall>
@@ -2160,7 +3127,7 @@
           <a:p>
             <a:fld id="{60B5B375-844C-4485-A50B-23B03B0832C2}" type="datetimeFigureOut">
               <a:rPr kumimoji="1" lang="ja-JP" altLang="en-US" smtClean="0"/>
-              <a:t>2022/11/29</a:t>
+              <a:t>2022/12/6</a:t>
             </a:fld>
             <a:endParaRPr kumimoji="1" lang="ja-JP" altLang="en-US"/>
           </a:p>
@@ -2390,7 +3357,7 @@
           <a:p>
             <a:fld id="{60B5B375-844C-4485-A50B-23B03B0832C2}" type="datetimeFigureOut">
               <a:rPr kumimoji="1" lang="ja-JP" altLang="en-US" smtClean="0"/>
-              <a:t>2022/11/29</a:t>
+              <a:t>2022/12/6</a:t>
             </a:fld>
             <a:endParaRPr kumimoji="1" lang="ja-JP" altLang="en-US"/>
           </a:p>
@@ -2630,7 +3597,7 @@
           <a:p>
             <a:fld id="{60B5B375-844C-4485-A50B-23B03B0832C2}" type="datetimeFigureOut">
               <a:rPr kumimoji="1" lang="ja-JP" altLang="en-US" smtClean="0"/>
-              <a:t>2022/11/29</a:t>
+              <a:t>2022/12/6</a:t>
             </a:fld>
             <a:endParaRPr kumimoji="1" lang="ja-JP" altLang="en-US"/>
           </a:p>
@@ -2860,7 +3827,7 @@
           <a:p>
             <a:fld id="{60B5B375-844C-4485-A50B-23B03B0832C2}" type="datetimeFigureOut">
               <a:rPr kumimoji="1" lang="ja-JP" altLang="en-US" smtClean="0"/>
-              <a:t>2022/11/29</a:t>
+              <a:t>2022/12/6</a:t>
             </a:fld>
             <a:endParaRPr kumimoji="1" lang="ja-JP" altLang="en-US"/>
           </a:p>
@@ -3135,7 +4102,7 @@
           <a:p>
             <a:fld id="{60B5B375-844C-4485-A50B-23B03B0832C2}" type="datetimeFigureOut">
               <a:rPr kumimoji="1" lang="ja-JP" altLang="en-US" smtClean="0"/>
-              <a:t>2022/11/29</a:t>
+              <a:t>2022/12/6</a:t>
             </a:fld>
             <a:endParaRPr kumimoji="1" lang="ja-JP" altLang="en-US"/>
           </a:p>
@@ -3464,7 +4431,7 @@
           <a:p>
             <a:fld id="{60B5B375-844C-4485-A50B-23B03B0832C2}" type="datetimeFigureOut">
               <a:rPr kumimoji="1" lang="ja-JP" altLang="en-US" smtClean="0"/>
-              <a:t>2022/11/29</a:t>
+              <a:t>2022/12/6</a:t>
             </a:fld>
             <a:endParaRPr kumimoji="1" lang="ja-JP" altLang="en-US"/>
           </a:p>
@@ -3940,7 +4907,7 @@
           <a:p>
             <a:fld id="{60B5B375-844C-4485-A50B-23B03B0832C2}" type="datetimeFigureOut">
               <a:rPr kumimoji="1" lang="ja-JP" altLang="en-US" smtClean="0"/>
-              <a:t>2022/11/29</a:t>
+              <a:t>2022/12/6</a:t>
             </a:fld>
             <a:endParaRPr kumimoji="1" lang="ja-JP" altLang="en-US"/>
           </a:p>
@@ -4081,7 +5048,7 @@
           <a:p>
             <a:fld id="{60B5B375-844C-4485-A50B-23B03B0832C2}" type="datetimeFigureOut">
               <a:rPr kumimoji="1" lang="ja-JP" altLang="en-US" smtClean="0"/>
-              <a:t>2022/11/29</a:t>
+              <a:t>2022/12/6</a:t>
             </a:fld>
             <a:endParaRPr kumimoji="1" lang="ja-JP" altLang="en-US"/>
           </a:p>
@@ -4194,7 +5161,7 @@
           <a:p>
             <a:fld id="{60B5B375-844C-4485-A50B-23B03B0832C2}" type="datetimeFigureOut">
               <a:rPr kumimoji="1" lang="ja-JP" altLang="en-US" smtClean="0"/>
-              <a:t>2022/11/29</a:t>
+              <a:t>2022/12/6</a:t>
             </a:fld>
             <a:endParaRPr kumimoji="1" lang="ja-JP" altLang="en-US"/>
           </a:p>
@@ -4537,7 +5504,7 @@
           <a:p>
             <a:fld id="{60B5B375-844C-4485-A50B-23B03B0832C2}" type="datetimeFigureOut">
               <a:rPr kumimoji="1" lang="ja-JP" altLang="en-US" smtClean="0"/>
-              <a:t>2022/11/29</a:t>
+              <a:t>2022/12/6</a:t>
             </a:fld>
             <a:endParaRPr kumimoji="1" lang="ja-JP" altLang="en-US"/>
           </a:p>
@@ -4825,7 +5792,7 @@
           <a:p>
             <a:fld id="{60B5B375-844C-4485-A50B-23B03B0832C2}" type="datetimeFigureOut">
               <a:rPr kumimoji="1" lang="ja-JP" altLang="en-US" smtClean="0"/>
-              <a:t>2022/11/29</a:t>
+              <a:t>2022/12/6</a:t>
             </a:fld>
             <a:endParaRPr kumimoji="1" lang="ja-JP" altLang="en-US"/>
           </a:p>
@@ -5098,7 +6065,7 @@
           <a:p>
             <a:fld id="{60B5B375-844C-4485-A50B-23B03B0832C2}" type="datetimeFigureOut">
               <a:rPr kumimoji="1" lang="ja-JP" altLang="en-US" smtClean="0"/>
-              <a:t>2022/11/29</a:t>
+              <a:t>2022/12/6</a:t>
             </a:fld>
             <a:endParaRPr kumimoji="1" lang="ja-JP" altLang="en-US"/>
           </a:p>
@@ -6315,6 +7282,148 @@
 </p:sld>
 </file>
 
+<file path=ppt/slides/slide6.xml><?xml version="1.0" encoding="utf-8"?>
+<p:sld xmlns:a="http://schemas.openxmlformats.org/drawingml/2006/main" xmlns:r="http://schemas.openxmlformats.org/officeDocument/2006/relationships" xmlns:p="http://schemas.openxmlformats.org/presentationml/2006/main">
+  <p:cSld>
+    <p:spTree>
+      <p:nvGrpSpPr>
+        <p:cNvPr id="1" name=""/>
+        <p:cNvGrpSpPr/>
+        <p:nvPr/>
+      </p:nvGrpSpPr>
+      <p:grpSpPr>
+        <a:xfrm>
+          <a:off x="0" y="0"/>
+          <a:ext cx="0" cy="0"/>
+          <a:chOff x="0" y="0"/>
+          <a:chExt cx="0" cy="0"/>
+        </a:xfrm>
+      </p:grpSpPr>
+      <p:graphicFrame>
+        <p:nvGraphicFramePr>
+          <p:cNvPr id="4" name="グラフ 3">
+            <a:extLst>
+              <a:ext uri="{FF2B5EF4-FFF2-40B4-BE49-F238E27FC236}">
+                <a16:creationId xmlns:a16="http://schemas.microsoft.com/office/drawing/2014/main" id="{38D9D97D-FFDC-4059-4F1F-F6E980FAE79F}"/>
+              </a:ext>
+            </a:extLst>
+          </p:cNvPr>
+          <p:cNvGraphicFramePr/>
+          <p:nvPr>
+            <p:extLst>
+              <p:ext uri="{D42A27DB-BD31-4B8C-83A1-F6EECF244321}">
+                <p14:modId xmlns:p14="http://schemas.microsoft.com/office/powerpoint/2010/main" val="571720586"/>
+              </p:ext>
+            </p:extLst>
+          </p:nvPr>
+        </p:nvGraphicFramePr>
+        <p:xfrm>
+          <a:off x="2031999" y="719666"/>
+          <a:ext cx="6665433" cy="5418667"/>
+        </p:xfrm>
+        <a:graphic>
+          <a:graphicData uri="http://schemas.openxmlformats.org/drawingml/2006/chart">
+            <c:chart xmlns:c="http://schemas.openxmlformats.org/drawingml/2006/chart" xmlns:r="http://schemas.openxmlformats.org/officeDocument/2006/relationships" r:id="rId2"/>
+          </a:graphicData>
+        </a:graphic>
+      </p:graphicFrame>
+      <p:sp>
+        <p:nvSpPr>
+          <p:cNvPr id="5" name="テキスト ボックス 4">
+            <a:extLst>
+              <a:ext uri="{FF2B5EF4-FFF2-40B4-BE49-F238E27FC236}">
+                <a16:creationId xmlns:a16="http://schemas.microsoft.com/office/drawing/2014/main" id="{0B9B6FFC-8BF7-5B31-C9A7-D835EF948950}"/>
+              </a:ext>
+            </a:extLst>
+          </p:cNvPr>
+          <p:cNvSpPr txBox="1"/>
+          <p:nvPr/>
+        </p:nvSpPr>
+        <p:spPr>
+          <a:xfrm>
+            <a:off x="2148958" y="0"/>
+            <a:ext cx="1435395" cy="584775"/>
+          </a:xfrm>
+          <a:prstGeom prst="rect">
+            <a:avLst/>
+          </a:prstGeom>
+          <a:noFill/>
+        </p:spPr>
+        <p:txBody>
+          <a:bodyPr wrap="square" rtlCol="0">
+            <a:spAutoFit/>
+          </a:bodyPr>
+          <a:lstStyle/>
+          <a:p>
+            <a:r>
+              <a:rPr kumimoji="1" lang="en-US" altLang="ja-JP" sz="3200" i="1" dirty="0">
+                <a:latin typeface="Times New Roman" panose="02020603050405020304" pitchFamily="18" charset="0"/>
+                <a:cs typeface="Times New Roman" panose="02020603050405020304" pitchFamily="18" charset="0"/>
+              </a:rPr>
+              <a:t>y</a:t>
+            </a:r>
+            <a:endParaRPr kumimoji="1" lang="ja-JP" altLang="en-US" sz="3200" i="1" dirty="0">
+              <a:latin typeface="Times New Roman" panose="02020603050405020304" pitchFamily="18" charset="0"/>
+              <a:cs typeface="Times New Roman" panose="02020603050405020304" pitchFamily="18" charset="0"/>
+            </a:endParaRPr>
+          </a:p>
+        </p:txBody>
+      </p:sp>
+      <p:sp>
+        <p:nvSpPr>
+          <p:cNvPr id="6" name="テキスト ボックス 5">
+            <a:extLst>
+              <a:ext uri="{FF2B5EF4-FFF2-40B4-BE49-F238E27FC236}">
+                <a16:creationId xmlns:a16="http://schemas.microsoft.com/office/drawing/2014/main" id="{28478372-AD71-2B77-EBA4-65B05545A030}"/>
+              </a:ext>
+            </a:extLst>
+          </p:cNvPr>
+          <p:cNvSpPr txBox="1"/>
+          <p:nvPr/>
+        </p:nvSpPr>
+        <p:spPr>
+          <a:xfrm>
+            <a:off x="8858102" y="5553558"/>
+            <a:ext cx="1435395" cy="584775"/>
+          </a:xfrm>
+          <a:prstGeom prst="rect">
+            <a:avLst/>
+          </a:prstGeom>
+          <a:noFill/>
+        </p:spPr>
+        <p:txBody>
+          <a:bodyPr wrap="square" rtlCol="0">
+            <a:spAutoFit/>
+          </a:bodyPr>
+          <a:lstStyle/>
+          <a:p>
+            <a:r>
+              <a:rPr kumimoji="1" lang="en-US" altLang="ja-JP" sz="3200" i="1" dirty="0">
+                <a:latin typeface="Times New Roman" panose="02020603050405020304" pitchFamily="18" charset="0"/>
+                <a:cs typeface="Times New Roman" panose="02020603050405020304" pitchFamily="18" charset="0"/>
+              </a:rPr>
+              <a:t>x</a:t>
+            </a:r>
+            <a:endParaRPr kumimoji="1" lang="ja-JP" altLang="en-US" sz="3200" i="1" dirty="0">
+              <a:latin typeface="Times New Roman" panose="02020603050405020304" pitchFamily="18" charset="0"/>
+              <a:cs typeface="Times New Roman" panose="02020603050405020304" pitchFamily="18" charset="0"/>
+            </a:endParaRPr>
+          </a:p>
+        </p:txBody>
+      </p:sp>
+    </p:spTree>
+    <p:extLst>
+      <p:ext uri="{BB962C8B-B14F-4D97-AF65-F5344CB8AC3E}">
+        <p14:creationId xmlns:p14="http://schemas.microsoft.com/office/powerpoint/2010/main" val="1456189182"/>
+      </p:ext>
+    </p:extLst>
+  </p:cSld>
+  <p:clrMapOvr>
+    <a:masterClrMapping/>
+  </p:clrMapOvr>
+</p:sld>
+</file>
+
 <file path=ppt/theme/theme1.xml><?xml version="1.0" encoding="utf-8"?>
 <a:theme xmlns:a="http://schemas.openxmlformats.org/drawingml/2006/main" name="Office テーマ">
   <a:themeElements>

--- a/image_src/ref_un_prob_5.pptx
+++ b/image_src/ref_un_prob_5.pptx
@@ -11,6 +11,7 @@
     <p:sldId id="257" r:id="rId5"/>
     <p:sldId id="260" r:id="rId6"/>
     <p:sldId id="261" r:id="rId7"/>
+    <p:sldId id="262" r:id="rId8"/>
   </p:sldIdLst>
   <p:sldSz cx="12192000" cy="6858000"/>
   <p:notesSz cx="6858000" cy="9144000"/>
@@ -120,7 +121,7 @@
 <file path=ppt/revisionInfo.xml><?xml version="1.0" encoding="utf-8"?>
 <p1510:revInfo xmlns:a="http://schemas.openxmlformats.org/drawingml/2006/main" xmlns:r="http://schemas.openxmlformats.org/officeDocument/2006/relationships" xmlns:p1510="http://schemas.microsoft.com/office/powerpoint/2015/10/main">
   <p1510:revLst>
-    <p1510:client id="{AECBED0E-A167-45DA-A7AA-5BD152823DFD}" v="68" dt="2022-12-06T09:53:04.247"/>
+    <p1510:client id="{3FB6F712-C55D-4AA7-87F2-7DEFF3081892}" v="11" dt="2025-10-13T00:39:55.808"/>
   </p1510:revLst>
 </p1510:revInfo>
 </file>
@@ -140,86 +141,6 @@
           <pc:docMk/>
           <pc:sldMk cId="2448813732" sldId="256"/>
         </pc:sldMkLst>
-        <pc:spChg chg="add mod">
-          <ac:chgData name="Kaneko Itaru" userId="772eb26533164a99" providerId="LiveId" clId="{AECBED0E-A167-45DA-A7AA-5BD152823DFD}" dt="2022-11-27T13:07:23.952" v="5" actId="14861"/>
-          <ac:spMkLst>
-            <pc:docMk/>
-            <pc:sldMk cId="2448813732" sldId="256"/>
-            <ac:spMk id="2" creationId="{9C506C34-F8F2-AF7A-A5BC-24C986CA8216}"/>
-          </ac:spMkLst>
-        </pc:spChg>
-        <pc:spChg chg="add del mod">
-          <ac:chgData name="Kaneko Itaru" userId="772eb26533164a99" providerId="LiveId" clId="{AECBED0E-A167-45DA-A7AA-5BD152823DFD}" dt="2022-11-27T13:09:53.085" v="11" actId="478"/>
-          <ac:spMkLst>
-            <pc:docMk/>
-            <pc:sldMk cId="2448813732" sldId="256"/>
-            <ac:spMk id="5" creationId="{CBC0D3D5-7DC3-5BEE-127E-EBB67A964D66}"/>
-          </ac:spMkLst>
-        </pc:spChg>
-        <pc:spChg chg="add del mod">
-          <ac:chgData name="Kaneko Itaru" userId="772eb26533164a99" providerId="LiveId" clId="{AECBED0E-A167-45DA-A7AA-5BD152823DFD}" dt="2022-11-27T13:11:13.393" v="17" actId="478"/>
-          <ac:spMkLst>
-            <pc:docMk/>
-            <pc:sldMk cId="2448813732" sldId="256"/>
-            <ac:spMk id="8" creationId="{CAF9D3D2-264E-A31A-FF3A-0C98D39BCBD6}"/>
-          </ac:spMkLst>
-        </pc:spChg>
-        <pc:spChg chg="add mod">
-          <ac:chgData name="Kaneko Itaru" userId="772eb26533164a99" providerId="LiveId" clId="{AECBED0E-A167-45DA-A7AA-5BD152823DFD}" dt="2022-11-27T13:32:42.081" v="119" actId="403"/>
-          <ac:spMkLst>
-            <pc:docMk/>
-            <pc:sldMk cId="2448813732" sldId="256"/>
-            <ac:spMk id="19" creationId="{CE339AB1-6947-B4FE-9E24-2A6A0A91B360}"/>
-          </ac:spMkLst>
-        </pc:spChg>
-        <pc:spChg chg="add mod">
-          <ac:chgData name="Kaneko Itaru" userId="772eb26533164a99" providerId="LiveId" clId="{AECBED0E-A167-45DA-A7AA-5BD152823DFD}" dt="2022-11-27T13:32:57.811" v="132" actId="14100"/>
-          <ac:spMkLst>
-            <pc:docMk/>
-            <pc:sldMk cId="2448813732" sldId="256"/>
-            <ac:spMk id="20" creationId="{8657F50B-5CF5-ACB5-F5B3-E5771F0C4D4D}"/>
-          </ac:spMkLst>
-        </pc:spChg>
-        <pc:graphicFrameChg chg="add mod">
-          <ac:chgData name="Kaneko Itaru" userId="772eb26533164a99" providerId="LiveId" clId="{AECBED0E-A167-45DA-A7AA-5BD152823DFD}" dt="2022-11-27T13:29:47.243" v="62" actId="2085"/>
-          <ac:graphicFrameMkLst>
-            <pc:docMk/>
-            <pc:sldMk cId="2448813732" sldId="256"/>
-            <ac:graphicFrameMk id="11" creationId="{A68F3B7F-6CC3-CFD1-C8BF-7576B31FCBE3}"/>
-          </ac:graphicFrameMkLst>
-        </pc:graphicFrameChg>
-        <pc:picChg chg="add mod">
-          <ac:chgData name="Kaneko Itaru" userId="772eb26533164a99" providerId="LiveId" clId="{AECBED0E-A167-45DA-A7AA-5BD152823DFD}" dt="2022-11-27T13:19:41.205" v="19" actId="1076"/>
-          <ac:picMkLst>
-            <pc:docMk/>
-            <pc:sldMk cId="2448813732" sldId="256"/>
-            <ac:picMk id="4" creationId="{B86AD62B-0C92-27B0-8DC8-6E82605B3FF2}"/>
-          </ac:picMkLst>
-        </pc:picChg>
-        <pc:picChg chg="add del mod">
-          <ac:chgData name="Kaneko Itaru" userId="772eb26533164a99" providerId="LiveId" clId="{AECBED0E-A167-45DA-A7AA-5BD152823DFD}" dt="2022-11-27T13:11:13.393" v="17" actId="478"/>
-          <ac:picMkLst>
-            <pc:docMk/>
-            <pc:sldMk cId="2448813732" sldId="256"/>
-            <ac:picMk id="7" creationId="{A0840D11-8C57-49FC-FB96-95DA2A0DD229}"/>
-          </ac:picMkLst>
-        </pc:picChg>
-        <pc:cxnChg chg="add mod">
-          <ac:chgData name="Kaneko Itaru" userId="772eb26533164a99" providerId="LiveId" clId="{AECBED0E-A167-45DA-A7AA-5BD152823DFD}" dt="2022-11-27T13:32:13.315" v="99" actId="692"/>
-          <ac:cxnSpMkLst>
-            <pc:docMk/>
-            <pc:sldMk cId="2448813732" sldId="256"/>
-            <ac:cxnSpMk id="13" creationId="{A701C30D-4526-9CF2-28DC-617518D2768C}"/>
-          </ac:cxnSpMkLst>
-        </pc:cxnChg>
-        <pc:cxnChg chg="add mod">
-          <ac:chgData name="Kaneko Itaru" userId="772eb26533164a99" providerId="LiveId" clId="{AECBED0E-A167-45DA-A7AA-5BD152823DFD}" dt="2022-11-27T13:32:02.185" v="97" actId="692"/>
-          <ac:cxnSpMkLst>
-            <pc:docMk/>
-            <pc:sldMk cId="2448813732" sldId="256"/>
-            <ac:cxnSpMk id="15" creationId="{B43CEBE5-7949-7EC9-8720-635AE9ACD840}"/>
-          </ac:cxnSpMkLst>
-        </pc:cxnChg>
       </pc:sldChg>
       <pc:sldChg chg="addSp modSp new mod">
         <pc:chgData name="Kaneko Itaru" userId="772eb26533164a99" providerId="LiveId" clId="{AECBED0E-A167-45DA-A7AA-5BD152823DFD}" dt="2022-11-27T14:18:47.285" v="243" actId="27918"/>
@@ -227,30 +148,6 @@
           <pc:docMk/>
           <pc:sldMk cId="154844026" sldId="257"/>
         </pc:sldMkLst>
-        <pc:spChg chg="add mod">
-          <ac:chgData name="Kaneko Itaru" userId="772eb26533164a99" providerId="LiveId" clId="{AECBED0E-A167-45DA-A7AA-5BD152823DFD}" dt="2022-11-27T14:17:11.234" v="198" actId="403"/>
-          <ac:spMkLst>
-            <pc:docMk/>
-            <pc:sldMk cId="154844026" sldId="257"/>
-            <ac:spMk id="5" creationId="{53C59F0B-A3E9-677D-3F42-4BC684045B31}"/>
-          </ac:spMkLst>
-        </pc:spChg>
-        <pc:spChg chg="add mod">
-          <ac:chgData name="Kaneko Itaru" userId="772eb26533164a99" providerId="LiveId" clId="{AECBED0E-A167-45DA-A7AA-5BD152823DFD}" dt="2022-11-27T14:17:38.270" v="237" actId="1076"/>
-          <ac:spMkLst>
-            <pc:docMk/>
-            <pc:sldMk cId="154844026" sldId="257"/>
-            <ac:spMk id="6" creationId="{D9E5BC83-02F7-2962-E90A-C854500F0B1C}"/>
-          </ac:spMkLst>
-        </pc:spChg>
-        <pc:graphicFrameChg chg="add mod">
-          <ac:chgData name="Kaneko Itaru" userId="772eb26533164a99" providerId="LiveId" clId="{AECBED0E-A167-45DA-A7AA-5BD152823DFD}" dt="2022-11-27T14:16:40.812" v="160" actId="1076"/>
-          <ac:graphicFrameMkLst>
-            <pc:docMk/>
-            <pc:sldMk cId="154844026" sldId="257"/>
-            <ac:graphicFrameMk id="4" creationId="{C3C2894D-C84B-7D46-27E0-95A3429D744F}"/>
-          </ac:graphicFrameMkLst>
-        </pc:graphicFrameChg>
       </pc:sldChg>
       <pc:sldChg chg="addSp modSp new mod ord">
         <pc:chgData name="Kaneko Itaru" userId="772eb26533164a99" providerId="LiveId" clId="{AECBED0E-A167-45DA-A7AA-5BD152823DFD}" dt="2022-11-28T02:08:36.006" v="290" actId="1076"/>
@@ -258,30 +155,6 @@
           <pc:docMk/>
           <pc:sldMk cId="2481347766" sldId="258"/>
         </pc:sldMkLst>
-        <pc:spChg chg="add mod">
-          <ac:chgData name="Kaneko Itaru" userId="772eb26533164a99" providerId="LiveId" clId="{AECBED0E-A167-45DA-A7AA-5BD152823DFD}" dt="2022-11-28T02:08:36.006" v="290" actId="1076"/>
-          <ac:spMkLst>
-            <pc:docMk/>
-            <pc:sldMk cId="2481347766" sldId="258"/>
-            <ac:spMk id="2" creationId="{60EA0F0C-44F0-8904-BFCA-EB3CEF47D463}"/>
-          </ac:spMkLst>
-        </pc:spChg>
-        <pc:spChg chg="add mod">
-          <ac:chgData name="Kaneko Itaru" userId="772eb26533164a99" providerId="LiveId" clId="{AECBED0E-A167-45DA-A7AA-5BD152823DFD}" dt="2022-11-28T02:08:23.426" v="286" actId="1076"/>
-          <ac:spMkLst>
-            <pc:docMk/>
-            <pc:sldMk cId="2481347766" sldId="258"/>
-            <ac:spMk id="4" creationId="{7580AB84-FABD-6BE7-D68E-4B44F11A6B7B}"/>
-          </ac:spMkLst>
-        </pc:spChg>
-        <pc:picChg chg="add mod">
-          <ac:chgData name="Kaneko Itaru" userId="772eb26533164a99" providerId="LiveId" clId="{AECBED0E-A167-45DA-A7AA-5BD152823DFD}" dt="2022-11-28T02:08:01.587" v="255" actId="1076"/>
-          <ac:picMkLst>
-            <pc:docMk/>
-            <pc:sldMk cId="2481347766" sldId="258"/>
-            <ac:picMk id="3" creationId="{B78C9B67-F9C7-2450-45ED-386208906ECE}"/>
-          </ac:picMkLst>
-        </pc:picChg>
       </pc:sldChg>
       <pc:sldChg chg="add">
         <pc:chgData name="Kaneko Itaru" userId="772eb26533164a99" providerId="LiveId" clId="{AECBED0E-A167-45DA-A7AA-5BD152823DFD}" dt="2022-11-29T05:41:28.811" v="291"/>
@@ -296,38 +169,6 @@
           <pc:docMk/>
           <pc:sldMk cId="433996266" sldId="260"/>
         </pc:sldMkLst>
-        <pc:spChg chg="add del mod">
-          <ac:chgData name="Kaneko Itaru" userId="772eb26533164a99" providerId="LiveId" clId="{AECBED0E-A167-45DA-A7AA-5BD152823DFD}" dt="2022-11-29T05:42:09.100" v="296" actId="478"/>
-          <ac:spMkLst>
-            <pc:docMk/>
-            <pc:sldMk cId="433996266" sldId="260"/>
-            <ac:spMk id="4" creationId="{245897C4-A37B-80A7-D2F1-B8BDC1CDFA89}"/>
-          </ac:spMkLst>
-        </pc:spChg>
-        <pc:spChg chg="add mod">
-          <ac:chgData name="Kaneko Itaru" userId="772eb26533164a99" providerId="LiveId" clId="{AECBED0E-A167-45DA-A7AA-5BD152823DFD}" dt="2022-11-29T05:42:38.581" v="299" actId="962"/>
-          <ac:spMkLst>
-            <pc:docMk/>
-            <pc:sldMk cId="433996266" sldId="260"/>
-            <ac:spMk id="7" creationId="{C837AD1E-3BD1-F011-CFE4-EA0A4BC54209}"/>
-          </ac:spMkLst>
-        </pc:spChg>
-        <pc:picChg chg="add del mod">
-          <ac:chgData name="Kaneko Itaru" userId="772eb26533164a99" providerId="LiveId" clId="{AECBED0E-A167-45DA-A7AA-5BD152823DFD}" dt="2022-11-29T05:42:09.100" v="296" actId="478"/>
-          <ac:picMkLst>
-            <pc:docMk/>
-            <pc:sldMk cId="433996266" sldId="260"/>
-            <ac:picMk id="3" creationId="{E7A0FBB6-67C3-AE26-742C-F0AD6E0EDEB6}"/>
-          </ac:picMkLst>
-        </pc:picChg>
-        <pc:picChg chg="add mod">
-          <ac:chgData name="Kaneko Itaru" userId="772eb26533164a99" providerId="LiveId" clId="{AECBED0E-A167-45DA-A7AA-5BD152823DFD}" dt="2022-11-29T05:42:38.581" v="299" actId="962"/>
-          <ac:picMkLst>
-            <pc:docMk/>
-            <pc:sldMk cId="433996266" sldId="260"/>
-            <ac:picMk id="6" creationId="{E60202D6-56CD-03F6-2BA5-0E0ACB0E1D10}"/>
-          </ac:picMkLst>
-        </pc:picChg>
       </pc:sldChg>
       <pc:sldChg chg="addSp modSp new mod">
         <pc:chgData name="Kaneko Itaru" userId="772eb26533164a99" providerId="LiveId" clId="{AECBED0E-A167-45DA-A7AA-5BD152823DFD}" dt="2022-12-06T09:53:08.228" v="345" actId="20577"/>
@@ -335,28 +176,28 @@
           <pc:docMk/>
           <pc:sldMk cId="1456189182" sldId="261"/>
         </pc:sldMkLst>
-        <pc:spChg chg="add mod">
-          <ac:chgData name="Kaneko Itaru" userId="772eb26533164a99" providerId="LiveId" clId="{AECBED0E-A167-45DA-A7AA-5BD152823DFD}" dt="2022-12-06T09:53:00.568" v="342" actId="1076"/>
-          <ac:spMkLst>
-            <pc:docMk/>
-            <pc:sldMk cId="1456189182" sldId="261"/>
-            <ac:spMk id="5" creationId="{0B9B6FFC-8BF7-5B31-C9A7-D835EF948950}"/>
-          </ac:spMkLst>
-        </pc:spChg>
-        <pc:spChg chg="add mod">
-          <ac:chgData name="Kaneko Itaru" userId="772eb26533164a99" providerId="LiveId" clId="{AECBED0E-A167-45DA-A7AA-5BD152823DFD}" dt="2022-12-06T09:53:08.228" v="345" actId="20577"/>
-          <ac:spMkLst>
-            <pc:docMk/>
-            <pc:sldMk cId="1456189182" sldId="261"/>
-            <ac:spMk id="6" creationId="{28478372-AD71-2B77-EBA4-65B05545A030}"/>
-          </ac:spMkLst>
-        </pc:spChg>
+      </pc:sldChg>
+    </pc:docChg>
+  </pc:docChgLst>
+  <pc:docChgLst>
+    <pc:chgData name="Itaru Kaneko" userId="772eb26533164a99" providerId="LiveId" clId="{1DC08A42-860E-494C-9BDD-14037FD8BAAC}"/>
+    <pc:docChg chg="addSld modSld">
+      <pc:chgData name="Itaru Kaneko" userId="772eb26533164a99" providerId="LiveId" clId="{1DC08A42-860E-494C-9BDD-14037FD8BAAC}" dt="2025-10-13T05:01:51.585" v="46" actId="27918"/>
+      <pc:docMkLst>
+        <pc:docMk/>
+      </pc:docMkLst>
+      <pc:sldChg chg="addSp modSp new mod">
+        <pc:chgData name="Itaru Kaneko" userId="772eb26533164a99" providerId="LiveId" clId="{1DC08A42-860E-494C-9BDD-14037FD8BAAC}" dt="2025-10-13T05:01:51.585" v="46" actId="27918"/>
+        <pc:sldMkLst>
+          <pc:docMk/>
+          <pc:sldMk cId="2145551470" sldId="262"/>
+        </pc:sldMkLst>
         <pc:graphicFrameChg chg="add mod">
-          <ac:chgData name="Kaneko Itaru" userId="772eb26533164a99" providerId="LiveId" clId="{AECBED0E-A167-45DA-A7AA-5BD152823DFD}" dt="2022-12-06T09:49:33.517" v="332" actId="14100"/>
+          <ac:chgData name="Itaru Kaneko" userId="772eb26533164a99" providerId="LiveId" clId="{1DC08A42-860E-494C-9BDD-14037FD8BAAC}" dt="2025-10-13T00:28:02.202" v="2" actId="1957"/>
           <ac:graphicFrameMkLst>
             <pc:docMk/>
-            <pc:sldMk cId="1456189182" sldId="261"/>
-            <ac:graphicFrameMk id="4" creationId="{38D9D97D-FFDC-4059-4F1F-F6E980FAE79F}"/>
+            <pc:sldMk cId="2145551470" sldId="262"/>
+            <ac:graphicFrameMk id="4" creationId="{124E9EAD-8E2B-C205-F324-53B66E3EA7DD}"/>
           </ac:graphicFrameMkLst>
         </pc:graphicFrameChg>
       </pc:sldChg>
@@ -639,6 +480,7 @@
     </c:plotArea>
     <c:plotVisOnly val="1"/>
     <c:dispBlanksAs val="gap"/>
+    <c:showDLblsOverMax val="0"/>
     <c:extLst>
       <c:ext xmlns:c16r3="http://schemas.microsoft.com/office/drawing/2017/03/chart" uri="{56B9EC1D-385E-4148-901F-78D8002777C0}">
         <c16r3:dataDisplayOptions16>
@@ -646,7 +488,6 @@
         </c16r3:dataDisplayOptions16>
       </c:ext>
     </c:extLst>
-    <c:showDLblsOverMax val="0"/>
   </c:chart>
   <c:spPr>
     <a:noFill/>
@@ -901,6 +742,7 @@
     </c:plotArea>
     <c:plotVisOnly val="1"/>
     <c:dispBlanksAs val="gap"/>
+    <c:showDLblsOverMax val="0"/>
     <c:extLst>
       <c:ext xmlns:c16r3="http://schemas.microsoft.com/office/drawing/2017/03/chart" uri="{56B9EC1D-385E-4148-901F-78D8002777C0}">
         <c16r3:dataDisplayOptions16>
@@ -908,7 +750,6 @@
         </c16r3:dataDisplayOptions16>
       </c:ext>
     </c:extLst>
-    <c:showDLblsOverMax val="0"/>
   </c:chart>
   <c:spPr>
     <a:noFill/>
@@ -1280,6 +1121,7 @@
     </c:plotArea>
     <c:plotVisOnly val="1"/>
     <c:dispBlanksAs val="gap"/>
+    <c:showDLblsOverMax val="0"/>
     <c:extLst>
       <c:ext xmlns:c16r3="http://schemas.microsoft.com/office/drawing/2017/03/chart" uri="{56B9EC1D-385E-4148-901F-78D8002777C0}">
         <c16r3:dataDisplayOptions16>
@@ -1287,7 +1129,1276 @@
         </c16r3:dataDisplayOptions16>
       </c:ext>
     </c:extLst>
+  </c:chart>
+  <c:spPr>
+    <a:noFill/>
+    <a:ln>
+      <a:noFill/>
+    </a:ln>
+    <a:effectLst/>
+  </c:spPr>
+  <c:txPr>
+    <a:bodyPr/>
+    <a:lstStyle/>
+    <a:p>
+      <a:pPr>
+        <a:defRPr/>
+      </a:pPr>
+      <a:endParaRPr lang="ja-JP"/>
+    </a:p>
+  </c:txPr>
+  <c:externalData r:id="rId3">
+    <c:autoUpdate val="0"/>
+  </c:externalData>
+</c:chartSpace>
+</file>
+
+<file path=ppt/charts/chart4.xml><?xml version="1.0" encoding="utf-8"?>
+<c:chartSpace xmlns:c="http://schemas.openxmlformats.org/drawingml/2006/chart" xmlns:a="http://schemas.openxmlformats.org/drawingml/2006/main" xmlns:r="http://schemas.openxmlformats.org/officeDocument/2006/relationships" xmlns:c16r2="http://schemas.microsoft.com/office/drawing/2015/06/chart">
+  <c:date1904 val="0"/>
+  <c:lang val="ja-JP"/>
+  <c:roundedCorners val="0"/>
+  <mc:AlternateContent xmlns:mc="http://schemas.openxmlformats.org/markup-compatibility/2006">
+    <mc:Choice xmlns:c14="http://schemas.microsoft.com/office/drawing/2007/8/2/chart" Requires="c14">
+      <c14:style val="102"/>
+    </mc:Choice>
+    <mc:Fallback>
+      <c:style val="2"/>
+    </mc:Fallback>
+  </mc:AlternateContent>
+  <c:chart>
+    <c:autoTitleDeleted val="1"/>
+    <c:plotArea>
+      <c:layout/>
+      <c:lineChart>
+        <c:grouping val="standard"/>
+        <c:varyColors val="0"/>
+        <c:ser>
+          <c:idx val="0"/>
+          <c:order val="0"/>
+          <c:tx>
+            <c:strRef>
+              <c:f>Sheet1!$B$1</c:f>
+              <c:strCache>
+                <c:ptCount val="1"/>
+                <c:pt idx="0">
+                  <c:v>系列 1</c:v>
+                </c:pt>
+              </c:strCache>
+            </c:strRef>
+          </c:tx>
+          <c:spPr>
+            <a:ln w="28575" cap="rnd">
+              <a:solidFill>
+                <a:schemeClr val="accent1"/>
+              </a:solidFill>
+              <a:round/>
+            </a:ln>
+            <a:effectLst/>
+          </c:spPr>
+          <c:marker>
+            <c:symbol val="none"/>
+          </c:marker>
+          <c:cat>
+            <c:numRef>
+              <c:f>Sheet1!$A$2:$A$52</c:f>
+              <c:numCache>
+                <c:formatCode>General</c:formatCode>
+                <c:ptCount val="51"/>
+                <c:pt idx="0">
+                  <c:v>0</c:v>
+                </c:pt>
+                <c:pt idx="1">
+                  <c:v>0.02</c:v>
+                </c:pt>
+                <c:pt idx="2">
+                  <c:v>0.04</c:v>
+                </c:pt>
+                <c:pt idx="3">
+                  <c:v>0.06</c:v>
+                </c:pt>
+                <c:pt idx="4">
+                  <c:v>0.08</c:v>
+                </c:pt>
+                <c:pt idx="5">
+                  <c:v>0.1</c:v>
+                </c:pt>
+                <c:pt idx="6">
+                  <c:v>0.12000000000000001</c:v>
+                </c:pt>
+                <c:pt idx="7">
+                  <c:v>0.14000000000000001</c:v>
+                </c:pt>
+                <c:pt idx="8">
+                  <c:v>0.16</c:v>
+                </c:pt>
+                <c:pt idx="9">
+                  <c:v>0.18</c:v>
+                </c:pt>
+                <c:pt idx="10">
+                  <c:v>0.19999999999999998</c:v>
+                </c:pt>
+                <c:pt idx="11">
+                  <c:v>0.21999999999999997</c:v>
+                </c:pt>
+                <c:pt idx="12">
+                  <c:v>0.23999999999999996</c:v>
+                </c:pt>
+                <c:pt idx="13">
+                  <c:v>0.25999999999999995</c:v>
+                </c:pt>
+                <c:pt idx="14">
+                  <c:v>0.27999999999999997</c:v>
+                </c:pt>
+                <c:pt idx="15">
+                  <c:v>0.3</c:v>
+                </c:pt>
+                <c:pt idx="16">
+                  <c:v>0.32</c:v>
+                </c:pt>
+                <c:pt idx="17">
+                  <c:v>0.34</c:v>
+                </c:pt>
+                <c:pt idx="18">
+                  <c:v>0.36000000000000004</c:v>
+                </c:pt>
+                <c:pt idx="19">
+                  <c:v>0.38000000000000006</c:v>
+                </c:pt>
+                <c:pt idx="20">
+                  <c:v>0.40000000000000008</c:v>
+                </c:pt>
+                <c:pt idx="21">
+                  <c:v>0.4200000000000001</c:v>
+                </c:pt>
+                <c:pt idx="22">
+                  <c:v>0.44000000000000011</c:v>
+                </c:pt>
+                <c:pt idx="23">
+                  <c:v>0.46000000000000013</c:v>
+                </c:pt>
+                <c:pt idx="24">
+                  <c:v>0.48000000000000015</c:v>
+                </c:pt>
+                <c:pt idx="25">
+                  <c:v>0.50000000000000011</c:v>
+                </c:pt>
+                <c:pt idx="26">
+                  <c:v>0.52000000000000013</c:v>
+                </c:pt>
+                <c:pt idx="27">
+                  <c:v>0.54000000000000015</c:v>
+                </c:pt>
+                <c:pt idx="28">
+                  <c:v>0.56000000000000016</c:v>
+                </c:pt>
+                <c:pt idx="29">
+                  <c:v>0.58000000000000018</c:v>
+                </c:pt>
+                <c:pt idx="30">
+                  <c:v>0.6000000000000002</c:v>
+                </c:pt>
+                <c:pt idx="31">
+                  <c:v>0.62000000000000022</c:v>
+                </c:pt>
+                <c:pt idx="32">
+                  <c:v>0.64000000000000024</c:v>
+                </c:pt>
+                <c:pt idx="33">
+                  <c:v>0.66000000000000025</c:v>
+                </c:pt>
+                <c:pt idx="34">
+                  <c:v>0.68000000000000027</c:v>
+                </c:pt>
+                <c:pt idx="35">
+                  <c:v>0.70000000000000029</c:v>
+                </c:pt>
+                <c:pt idx="36">
+                  <c:v>0.72000000000000031</c:v>
+                </c:pt>
+                <c:pt idx="37">
+                  <c:v>0.74000000000000032</c:v>
+                </c:pt>
+                <c:pt idx="38">
+                  <c:v>0.76000000000000034</c:v>
+                </c:pt>
+                <c:pt idx="39">
+                  <c:v>0.78000000000000036</c:v>
+                </c:pt>
+                <c:pt idx="40">
+                  <c:v>0.80000000000000038</c:v>
+                </c:pt>
+                <c:pt idx="41">
+                  <c:v>0.8200000000000004</c:v>
+                </c:pt>
+                <c:pt idx="42">
+                  <c:v>0.84000000000000041</c:v>
+                </c:pt>
+                <c:pt idx="43">
+                  <c:v>0.86000000000000043</c:v>
+                </c:pt>
+                <c:pt idx="44">
+                  <c:v>0.88000000000000045</c:v>
+                </c:pt>
+                <c:pt idx="45">
+                  <c:v>0.90000000000000047</c:v>
+                </c:pt>
+                <c:pt idx="46">
+                  <c:v>0.92000000000000048</c:v>
+                </c:pt>
+                <c:pt idx="47">
+                  <c:v>0.9400000000000005</c:v>
+                </c:pt>
+                <c:pt idx="48">
+                  <c:v>0.96000000000000052</c:v>
+                </c:pt>
+                <c:pt idx="49">
+                  <c:v>0.98000000000000054</c:v>
+                </c:pt>
+                <c:pt idx="50">
+                  <c:v>1.0000000000000004</c:v>
+                </c:pt>
+              </c:numCache>
+            </c:numRef>
+          </c:cat>
+          <c:val>
+            <c:numRef>
+              <c:f>Sheet1!$B$2:$B$52</c:f>
+              <c:numCache>
+                <c:formatCode>General</c:formatCode>
+                <c:ptCount val="51"/>
+                <c:pt idx="0">
+                  <c:v>1.5642056416486028E-2</c:v>
+                </c:pt>
+                <c:pt idx="1">
+                  <c:v>-6.2287006608350154E-3</c:v>
+                </c:pt>
+                <c:pt idx="2">
+                  <c:v>8.6087828614120496E-2</c:v>
+                </c:pt>
+                <c:pt idx="3">
+                  <c:v>9.4011751661577644E-2</c:v>
+                </c:pt>
+                <c:pt idx="4">
+                  <c:v>8.0386847371711742E-2</c:v>
+                </c:pt>
+                <c:pt idx="5">
+                  <c:v>0.11629165599665896</c:v>
+                </c:pt>
+                <c:pt idx="6">
+                  <c:v>0.15377323672890852</c:v>
+                </c:pt>
+                <c:pt idx="7">
+                  <c:v>0.16235190113243247</c:v>
+                </c:pt>
+                <c:pt idx="8">
+                  <c:v>0.1750842683875185</c:v>
+                </c:pt>
+                <c:pt idx="9">
+                  <c:v>0.22607245491985711</c:v>
+                </c:pt>
+                <c:pt idx="10">
+                  <c:v>0.15521756160572114</c:v>
+                </c:pt>
+                <c:pt idx="11">
+                  <c:v>0.18212793172665842</c:v>
+                </c:pt>
+                <c:pt idx="12">
+                  <c:v>0.245453758272068</c:v>
+                </c:pt>
+                <c:pt idx="13">
+                  <c:v>0.24575709501299831</c:v>
+                </c:pt>
+                <c:pt idx="14">
+                  <c:v>0.31998750417972882</c:v>
+                </c:pt>
+                <c:pt idx="15">
+                  <c:v>0.27999486048740618</c:v>
+                </c:pt>
+                <c:pt idx="16">
+                  <c:v>0.2934342539795316</c:v>
+                </c:pt>
+                <c:pt idx="17">
+                  <c:v>0.34941061175745669</c:v>
+                </c:pt>
+                <c:pt idx="18">
+                  <c:v>0.31126918449254026</c:v>
+                </c:pt>
+                <c:pt idx="19">
+                  <c:v>0.39636460848806088</c:v>
+                </c:pt>
+                <c:pt idx="20">
+                  <c:v>0.43114375246549441</c:v>
+                </c:pt>
+                <c:pt idx="21">
+                  <c:v>0.37684971969612074</c:v>
+                </c:pt>
+                <c:pt idx="22">
+                  <c:v>0.39153419965242214</c:v>
+                </c:pt>
+                <c:pt idx="23">
+                  <c:v>0.48573356651724281</c:v>
+                </c:pt>
+                <c:pt idx="24">
+                  <c:v>0.44497220889581746</c:v>
+                </c:pt>
+                <c:pt idx="25">
+                  <c:v>0.4637659461982962</c:v>
+                </c:pt>
+                <c:pt idx="26">
+                  <c:v>0.50478108900432894</c:v>
+                </c:pt>
+                <c:pt idx="27">
+                  <c:v>0.54417281346035595</c:v>
+                </c:pt>
+                <c:pt idx="28">
+                  <c:v>0.5885299905827881</c:v>
+                </c:pt>
+                <c:pt idx="29">
+                  <c:v>0.59159973263379617</c:v>
+                </c:pt>
+                <c:pt idx="30">
+                  <c:v>0.58827826850583653</c:v>
+                </c:pt>
+                <c:pt idx="31">
+                  <c:v>0.66137767485508725</c:v>
+                </c:pt>
+                <c:pt idx="32">
+                  <c:v>0.68956559726472244</c:v>
+                </c:pt>
+                <c:pt idx="33">
+                  <c:v>0.67829209579710703</c:v>
+                </c:pt>
+                <c:pt idx="34">
+                  <c:v>0.64543093909829219</c:v>
+                </c:pt>
+                <c:pt idx="35">
+                  <c:v>0.67608093644747869</c:v>
+                </c:pt>
+                <c:pt idx="36">
+                  <c:v>0.70693690112249152</c:v>
+                </c:pt>
+                <c:pt idx="37">
+                  <c:v>0.74565435347047249</c:v>
+                </c:pt>
+                <c:pt idx="38">
+                  <c:v>0.76909441793781619</c:v>
+                </c:pt>
+                <c:pt idx="39">
+                  <c:v>0.75179258355633027</c:v>
+                </c:pt>
+                <c:pt idx="40">
+                  <c:v>0.80788969925845722</c:v>
+                </c:pt>
+                <c:pt idx="41">
+                  <c:v>0.84130844840307228</c:v>
+                </c:pt>
+                <c:pt idx="42">
+                  <c:v>0.8324349335135045</c:v>
+                </c:pt>
+                <c:pt idx="43">
+                  <c:v>0.88535360478592906</c:v>
+                </c:pt>
+                <c:pt idx="44">
+                  <c:v>0.90234756893680323</c:v>
+                </c:pt>
+                <c:pt idx="45">
+                  <c:v>0.91744866988861162</c:v>
+                </c:pt>
+                <c:pt idx="46">
+                  <c:v>0.89269971766507084</c:v>
+                </c:pt>
+                <c:pt idx="47">
+                  <c:v>0.90408145337165846</c:v>
+                </c:pt>
+                <c:pt idx="48">
+                  <c:v>0.95180480852235272</c:v>
+                </c:pt>
+                <c:pt idx="49">
+                  <c:v>1.0102536281466674</c:v>
+                </c:pt>
+                <c:pt idx="50">
+                  <c:v>1.0404560310681135</c:v>
+                </c:pt>
+              </c:numCache>
+            </c:numRef>
+          </c:val>
+          <c:smooth val="0"/>
+          <c:extLst>
+            <c:ext xmlns:c16="http://schemas.microsoft.com/office/drawing/2014/chart" uri="{C3380CC4-5D6E-409C-BE32-E72D297353CC}">
+              <c16:uniqueId val="{00000000-4218-4B2B-99FF-3E7A3E15EBDF}"/>
+            </c:ext>
+          </c:extLst>
+        </c:ser>
+        <c:ser>
+          <c:idx val="1"/>
+          <c:order val="1"/>
+          <c:tx>
+            <c:strRef>
+              <c:f>Sheet1!$C$1</c:f>
+              <c:strCache>
+                <c:ptCount val="1"/>
+                <c:pt idx="0">
+                  <c:v>系列 2</c:v>
+                </c:pt>
+              </c:strCache>
+            </c:strRef>
+          </c:tx>
+          <c:spPr>
+            <a:ln w="28575" cap="rnd">
+              <a:solidFill>
+                <a:schemeClr val="accent2"/>
+              </a:solidFill>
+              <a:round/>
+            </a:ln>
+            <a:effectLst/>
+          </c:spPr>
+          <c:marker>
+            <c:symbol val="none"/>
+          </c:marker>
+          <c:cat>
+            <c:numRef>
+              <c:f>Sheet1!$A$2:$A$52</c:f>
+              <c:numCache>
+                <c:formatCode>General</c:formatCode>
+                <c:ptCount val="51"/>
+                <c:pt idx="0">
+                  <c:v>0</c:v>
+                </c:pt>
+                <c:pt idx="1">
+                  <c:v>0.02</c:v>
+                </c:pt>
+                <c:pt idx="2">
+                  <c:v>0.04</c:v>
+                </c:pt>
+                <c:pt idx="3">
+                  <c:v>0.06</c:v>
+                </c:pt>
+                <c:pt idx="4">
+                  <c:v>0.08</c:v>
+                </c:pt>
+                <c:pt idx="5">
+                  <c:v>0.1</c:v>
+                </c:pt>
+                <c:pt idx="6">
+                  <c:v>0.12000000000000001</c:v>
+                </c:pt>
+                <c:pt idx="7">
+                  <c:v>0.14000000000000001</c:v>
+                </c:pt>
+                <c:pt idx="8">
+                  <c:v>0.16</c:v>
+                </c:pt>
+                <c:pt idx="9">
+                  <c:v>0.18</c:v>
+                </c:pt>
+                <c:pt idx="10">
+                  <c:v>0.19999999999999998</c:v>
+                </c:pt>
+                <c:pt idx="11">
+                  <c:v>0.21999999999999997</c:v>
+                </c:pt>
+                <c:pt idx="12">
+                  <c:v>0.23999999999999996</c:v>
+                </c:pt>
+                <c:pt idx="13">
+                  <c:v>0.25999999999999995</c:v>
+                </c:pt>
+                <c:pt idx="14">
+                  <c:v>0.27999999999999997</c:v>
+                </c:pt>
+                <c:pt idx="15">
+                  <c:v>0.3</c:v>
+                </c:pt>
+                <c:pt idx="16">
+                  <c:v>0.32</c:v>
+                </c:pt>
+                <c:pt idx="17">
+                  <c:v>0.34</c:v>
+                </c:pt>
+                <c:pt idx="18">
+                  <c:v>0.36000000000000004</c:v>
+                </c:pt>
+                <c:pt idx="19">
+                  <c:v>0.38000000000000006</c:v>
+                </c:pt>
+                <c:pt idx="20">
+                  <c:v>0.40000000000000008</c:v>
+                </c:pt>
+                <c:pt idx="21">
+                  <c:v>0.4200000000000001</c:v>
+                </c:pt>
+                <c:pt idx="22">
+                  <c:v>0.44000000000000011</c:v>
+                </c:pt>
+                <c:pt idx="23">
+                  <c:v>0.46000000000000013</c:v>
+                </c:pt>
+                <c:pt idx="24">
+                  <c:v>0.48000000000000015</c:v>
+                </c:pt>
+                <c:pt idx="25">
+                  <c:v>0.50000000000000011</c:v>
+                </c:pt>
+                <c:pt idx="26">
+                  <c:v>0.52000000000000013</c:v>
+                </c:pt>
+                <c:pt idx="27">
+                  <c:v>0.54000000000000015</c:v>
+                </c:pt>
+                <c:pt idx="28">
+                  <c:v>0.56000000000000016</c:v>
+                </c:pt>
+                <c:pt idx="29">
+                  <c:v>0.58000000000000018</c:v>
+                </c:pt>
+                <c:pt idx="30">
+                  <c:v>0.6000000000000002</c:v>
+                </c:pt>
+                <c:pt idx="31">
+                  <c:v>0.62000000000000022</c:v>
+                </c:pt>
+                <c:pt idx="32">
+                  <c:v>0.64000000000000024</c:v>
+                </c:pt>
+                <c:pt idx="33">
+                  <c:v>0.66000000000000025</c:v>
+                </c:pt>
+                <c:pt idx="34">
+                  <c:v>0.68000000000000027</c:v>
+                </c:pt>
+                <c:pt idx="35">
+                  <c:v>0.70000000000000029</c:v>
+                </c:pt>
+                <c:pt idx="36">
+                  <c:v>0.72000000000000031</c:v>
+                </c:pt>
+                <c:pt idx="37">
+                  <c:v>0.74000000000000032</c:v>
+                </c:pt>
+                <c:pt idx="38">
+                  <c:v>0.76000000000000034</c:v>
+                </c:pt>
+                <c:pt idx="39">
+                  <c:v>0.78000000000000036</c:v>
+                </c:pt>
+                <c:pt idx="40">
+                  <c:v>0.80000000000000038</c:v>
+                </c:pt>
+                <c:pt idx="41">
+                  <c:v>0.8200000000000004</c:v>
+                </c:pt>
+                <c:pt idx="42">
+                  <c:v>0.84000000000000041</c:v>
+                </c:pt>
+                <c:pt idx="43">
+                  <c:v>0.86000000000000043</c:v>
+                </c:pt>
+                <c:pt idx="44">
+                  <c:v>0.88000000000000045</c:v>
+                </c:pt>
+                <c:pt idx="45">
+                  <c:v>0.90000000000000047</c:v>
+                </c:pt>
+                <c:pt idx="46">
+                  <c:v>0.92000000000000048</c:v>
+                </c:pt>
+                <c:pt idx="47">
+                  <c:v>0.9400000000000005</c:v>
+                </c:pt>
+                <c:pt idx="48">
+                  <c:v>0.96000000000000052</c:v>
+                </c:pt>
+                <c:pt idx="49">
+                  <c:v>0.98000000000000054</c:v>
+                </c:pt>
+                <c:pt idx="50">
+                  <c:v>1.0000000000000004</c:v>
+                </c:pt>
+              </c:numCache>
+            </c:numRef>
+          </c:cat>
+          <c:val>
+            <c:numRef>
+              <c:f>Sheet1!$C$2:$C$52</c:f>
+              <c:numCache>
+                <c:formatCode>General</c:formatCode>
+                <c:ptCount val="51"/>
+                <c:pt idx="0">
+                  <c:v>0</c:v>
+                </c:pt>
+                <c:pt idx="1">
+                  <c:v>5.5733866159012248E-2</c:v>
+                </c:pt>
+                <c:pt idx="2">
+                  <c:v>0.10988366846173012</c:v>
+                </c:pt>
+                <c:pt idx="3">
+                  <c:v>0.16092849467900708</c:v>
+                </c:pt>
+                <c:pt idx="4">
+                  <c:v>0.20747121817990458</c:v>
+                </c:pt>
+                <c:pt idx="5">
+                  <c:v>0.24829419696157934</c:v>
+                </c:pt>
+                <c:pt idx="6">
+                  <c:v>0.28240781719344532</c:v>
+                </c:pt>
+                <c:pt idx="7">
+                  <c:v>0.30908994599769207</c:v>
+                </c:pt>
+                <c:pt idx="8">
+                  <c:v>0.32791472060830107</c:v>
+                </c:pt>
+                <c:pt idx="9">
+                  <c:v>0.33876952617563905</c:v>
+                </c:pt>
+                <c:pt idx="10">
+                  <c:v>0.34185948536513638</c:v>
+                </c:pt>
+                <c:pt idx="11">
+                  <c:v>0.33769928076391809</c:v>
+                </c:pt>
+                <c:pt idx="12">
+                  <c:v>0.32709263611023021</c:v>
+                </c:pt>
+                <c:pt idx="13">
+                  <c:v>0.31110027436429288</c:v>
+                </c:pt>
+                <c:pt idx="14">
+                  <c:v>0.29099763003118101</c:v>
+                </c:pt>
+                <c:pt idx="15">
+                  <c:v>0.26822400161197346</c:v>
+                </c:pt>
+                <c:pt idx="16">
+                  <c:v>0.244325171314484</c:v>
+                </c:pt>
+                <c:pt idx="17">
+                  <c:v>0.22089177959463369</c:v>
+                </c:pt>
+                <c:pt idx="18">
+                  <c:v>0.19949591134102945</c:v>
+                </c:pt>
+                <c:pt idx="19">
+                  <c:v>0.18162842181145611</c:v>
+                </c:pt>
+                <c:pt idx="20">
+                  <c:v>0.16863950093841429</c:v>
+                </c:pt>
+                <c:pt idx="21">
+                  <c:v>0.16168484551728235</c:v>
+                </c:pt>
+                <c:pt idx="22">
+                  <c:v>0.1616795852220968</c:v>
+                </c:pt>
+                <c:pt idx="23">
+                  <c:v>0.16926179927330717</c:v>
+                </c:pt>
+                <c:pt idx="24">
+                  <c:v>0.184767078232832</c:v>
+                </c:pt>
+                <c:pt idx="25">
+                  <c:v>0.20821514506737249</c:v>
+                </c:pt>
+                <c:pt idx="26">
+                  <c:v>0.23930906885596959</c:v>
+                </c:pt>
+                <c:pt idx="27">
+                  <c:v>0.27744710248880283</c:v>
+                </c:pt>
+                <c:pt idx="28">
+                  <c:v>0.32174667242553612</c:v>
+                </c:pt>
+                <c:pt idx="29">
+                  <c:v>0.37107956411724902</c:v>
+                </c:pt>
+                <c:pt idx="30">
+                  <c:v>0.42411690036021538</c:v>
+                </c:pt>
+                <c:pt idx="31">
+                  <c:v>0.47938211943650128</c:v>
+                </c:pt>
+                <c:pt idx="32">
+                  <c:v>0.53530984097009937</c:v>
+                </c:pt>
+                <c:pt idx="33">
+                  <c:v>0.59030827270267627</c:v>
+                </c:pt>
+                <c:pt idx="34">
+                  <c:v>0.64282267022772233</c:v>
+                </c:pt>
+                <c:pt idx="35">
+                  <c:v>0.69139731974375851</c:v>
+                </c:pt>
+                <c:pt idx="36">
+                  <c:v>0.7347335727698312</c:v>
+                </c:pt>
+                <c:pt idx="37">
+                  <c:v>0.77174161916232598</c:v>
+                </c:pt>
+                <c:pt idx="38">
+                  <c:v>0.80158393440629783</c:v>
+                </c:pt>
+                <c:pt idx="39">
+                  <c:v>0.82370866907492135</c:v>
+                </c:pt>
+                <c:pt idx="40">
+                  <c:v>0.83787164932467662</c:v>
+                </c:pt>
+                <c:pt idx="41">
+                  <c:v>0.84414611133595463</c:v>
+                </c:pt>
+                <c:pt idx="42">
+                  <c:v>0.84291978161765613</c:v>
+                </c:pt>
+                <c:pt idx="43">
+                  <c:v>0.83487941957482237</c:v>
+                </c:pt>
+                <c:pt idx="44">
+                  <c:v>0.82098343857835221</c:v>
+                </c:pt>
+                <c:pt idx="45">
+                  <c:v>0.8024236970483507</c:v>
+                </c:pt>
+                <c:pt idx="46">
+                  <c:v>0.78057798282004898</c:v>
+                </c:pt>
+                <c:pt idx="47">
+                  <c:v>0.75695508509067089</c:v>
+                </c:pt>
+                <c:pt idx="48">
+                  <c:v>0.73313464375540349</c:v>
+                </c:pt>
+                <c:pt idx="49">
+                  <c:v>0.71070417414961384</c:v>
+                </c:pt>
+                <c:pt idx="50">
+                  <c:v>0.69119577782212582</c:v>
+                </c:pt>
+              </c:numCache>
+            </c:numRef>
+          </c:val>
+          <c:smooth val="0"/>
+          <c:extLst>
+            <c:ext xmlns:c16="http://schemas.microsoft.com/office/drawing/2014/chart" uri="{C3380CC4-5D6E-409C-BE32-E72D297353CC}">
+              <c16:uniqueId val="{00000001-4218-4B2B-99FF-3E7A3E15EBDF}"/>
+            </c:ext>
+          </c:extLst>
+        </c:ser>
+        <c:ser>
+          <c:idx val="2"/>
+          <c:order val="2"/>
+          <c:tx>
+            <c:strRef>
+              <c:f>Sheet1!$D$1</c:f>
+              <c:strCache>
+                <c:ptCount val="1"/>
+                <c:pt idx="0">
+                  <c:v>系列 3</c:v>
+                </c:pt>
+              </c:strCache>
+            </c:strRef>
+          </c:tx>
+          <c:spPr>
+            <a:ln w="28575" cap="rnd">
+              <a:solidFill>
+                <a:schemeClr val="accent3"/>
+              </a:solidFill>
+              <a:round/>
+            </a:ln>
+            <a:effectLst/>
+          </c:spPr>
+          <c:marker>
+            <c:symbol val="none"/>
+          </c:marker>
+          <c:cat>
+            <c:numRef>
+              <c:f>Sheet1!$A$2:$A$52</c:f>
+              <c:numCache>
+                <c:formatCode>General</c:formatCode>
+                <c:ptCount val="51"/>
+                <c:pt idx="0">
+                  <c:v>0</c:v>
+                </c:pt>
+                <c:pt idx="1">
+                  <c:v>0.02</c:v>
+                </c:pt>
+                <c:pt idx="2">
+                  <c:v>0.04</c:v>
+                </c:pt>
+                <c:pt idx="3">
+                  <c:v>0.06</c:v>
+                </c:pt>
+                <c:pt idx="4">
+                  <c:v>0.08</c:v>
+                </c:pt>
+                <c:pt idx="5">
+                  <c:v>0.1</c:v>
+                </c:pt>
+                <c:pt idx="6">
+                  <c:v>0.12000000000000001</c:v>
+                </c:pt>
+                <c:pt idx="7">
+                  <c:v>0.14000000000000001</c:v>
+                </c:pt>
+                <c:pt idx="8">
+                  <c:v>0.16</c:v>
+                </c:pt>
+                <c:pt idx="9">
+                  <c:v>0.18</c:v>
+                </c:pt>
+                <c:pt idx="10">
+                  <c:v>0.19999999999999998</c:v>
+                </c:pt>
+                <c:pt idx="11">
+                  <c:v>0.21999999999999997</c:v>
+                </c:pt>
+                <c:pt idx="12">
+                  <c:v>0.23999999999999996</c:v>
+                </c:pt>
+                <c:pt idx="13">
+                  <c:v>0.25999999999999995</c:v>
+                </c:pt>
+                <c:pt idx="14">
+                  <c:v>0.27999999999999997</c:v>
+                </c:pt>
+                <c:pt idx="15">
+                  <c:v>0.3</c:v>
+                </c:pt>
+                <c:pt idx="16">
+                  <c:v>0.32</c:v>
+                </c:pt>
+                <c:pt idx="17">
+                  <c:v>0.34</c:v>
+                </c:pt>
+                <c:pt idx="18">
+                  <c:v>0.36000000000000004</c:v>
+                </c:pt>
+                <c:pt idx="19">
+                  <c:v>0.38000000000000006</c:v>
+                </c:pt>
+                <c:pt idx="20">
+                  <c:v>0.40000000000000008</c:v>
+                </c:pt>
+                <c:pt idx="21">
+                  <c:v>0.4200000000000001</c:v>
+                </c:pt>
+                <c:pt idx="22">
+                  <c:v>0.44000000000000011</c:v>
+                </c:pt>
+                <c:pt idx="23">
+                  <c:v>0.46000000000000013</c:v>
+                </c:pt>
+                <c:pt idx="24">
+                  <c:v>0.48000000000000015</c:v>
+                </c:pt>
+                <c:pt idx="25">
+                  <c:v>0.50000000000000011</c:v>
+                </c:pt>
+                <c:pt idx="26">
+                  <c:v>0.52000000000000013</c:v>
+                </c:pt>
+                <c:pt idx="27">
+                  <c:v>0.54000000000000015</c:v>
+                </c:pt>
+                <c:pt idx="28">
+                  <c:v>0.56000000000000016</c:v>
+                </c:pt>
+                <c:pt idx="29">
+                  <c:v>0.58000000000000018</c:v>
+                </c:pt>
+                <c:pt idx="30">
+                  <c:v>0.6000000000000002</c:v>
+                </c:pt>
+                <c:pt idx="31">
+                  <c:v>0.62000000000000022</c:v>
+                </c:pt>
+                <c:pt idx="32">
+                  <c:v>0.64000000000000024</c:v>
+                </c:pt>
+                <c:pt idx="33">
+                  <c:v>0.66000000000000025</c:v>
+                </c:pt>
+                <c:pt idx="34">
+                  <c:v>0.68000000000000027</c:v>
+                </c:pt>
+                <c:pt idx="35">
+                  <c:v>0.70000000000000029</c:v>
+                </c:pt>
+                <c:pt idx="36">
+                  <c:v>0.72000000000000031</c:v>
+                </c:pt>
+                <c:pt idx="37">
+                  <c:v>0.74000000000000032</c:v>
+                </c:pt>
+                <c:pt idx="38">
+                  <c:v>0.76000000000000034</c:v>
+                </c:pt>
+                <c:pt idx="39">
+                  <c:v>0.78000000000000036</c:v>
+                </c:pt>
+                <c:pt idx="40">
+                  <c:v>0.80000000000000038</c:v>
+                </c:pt>
+                <c:pt idx="41">
+                  <c:v>0.8200000000000004</c:v>
+                </c:pt>
+                <c:pt idx="42">
+                  <c:v>0.84000000000000041</c:v>
+                </c:pt>
+                <c:pt idx="43">
+                  <c:v>0.86000000000000043</c:v>
+                </c:pt>
+                <c:pt idx="44">
+                  <c:v>0.88000000000000045</c:v>
+                </c:pt>
+                <c:pt idx="45">
+                  <c:v>0.90000000000000047</c:v>
+                </c:pt>
+                <c:pt idx="46">
+                  <c:v>0.92000000000000048</c:v>
+                </c:pt>
+                <c:pt idx="47">
+                  <c:v>0.9400000000000005</c:v>
+                </c:pt>
+                <c:pt idx="48">
+                  <c:v>0.96000000000000052</c:v>
+                </c:pt>
+                <c:pt idx="49">
+                  <c:v>0.98000000000000054</c:v>
+                </c:pt>
+                <c:pt idx="50">
+                  <c:v>1.0000000000000004</c:v>
+                </c:pt>
+              </c:numCache>
+            </c:numRef>
+          </c:cat>
+          <c:val>
+            <c:numRef>
+              <c:f>Sheet1!$D$2:$D$52</c:f>
+              <c:numCache>
+                <c:formatCode>General</c:formatCode>
+                <c:ptCount val="51"/>
+                <c:pt idx="0">
+                  <c:v>0.34536419128597334</c:v>
+                </c:pt>
+                <c:pt idx="1">
+                  <c:v>0.23783459127949752</c:v>
+                </c:pt>
+                <c:pt idx="2">
+                  <c:v>0.23971269742825455</c:v>
+                </c:pt>
+                <c:pt idx="3">
+                  <c:v>0.32022422650552573</c:v>
+                </c:pt>
+                <c:pt idx="4">
+                  <c:v>0.16453317369306378</c:v>
+                </c:pt>
+                <c:pt idx="5">
+                  <c:v>7.8080518815889247E-2</c:v>
+                </c:pt>
+                <c:pt idx="6">
+                  <c:v>0.35008696719717941</c:v>
+                </c:pt>
+                <c:pt idx="7">
+                  <c:v>0.50378813414271895</c:v>
+                </c:pt>
+                <c:pt idx="8">
+                  <c:v>0.32093346202225803</c:v>
+                </c:pt>
+                <c:pt idx="9">
+                  <c:v>0.26184365607937632</c:v>
+                </c:pt>
+                <c:pt idx="10">
+                  <c:v>0.25723456239616316</c:v>
+                </c:pt>
+                <c:pt idx="11">
+                  <c:v>0.26656766441918445</c:v>
+                </c:pt>
+                <c:pt idx="12">
+                  <c:v>0.51443120632424622</c:v>
+                </c:pt>
+                <c:pt idx="13">
+                  <c:v>0.49950407406777175</c:v>
+                </c:pt>
+                <c:pt idx="14">
+                  <c:v>0.25183772097721169</c:v>
+                </c:pt>
+                <c:pt idx="15">
+                  <c:v>0.41935820973528537</c:v>
+                </c:pt>
+                <c:pt idx="16">
+                  <c:v>0.65825296042266068</c:v>
+                </c:pt>
+                <c:pt idx="17">
+                  <c:v>0.37473942766777713</c:v>
+                </c:pt>
+                <c:pt idx="18">
+                  <c:v>0.51531664499204721</c:v>
+                </c:pt>
+                <c:pt idx="19">
+                  <c:v>0.45728653553255361</c:v>
+                </c:pt>
+                <c:pt idx="20">
+                  <c:v>0.30236488205785805</c:v>
+                </c:pt>
+                <c:pt idx="21">
+                  <c:v>0.22408024333308782</c:v>
+                </c:pt>
+                <c:pt idx="22">
+                  <c:v>0.66601149631640555</c:v>
+                </c:pt>
+                <c:pt idx="23">
+                  <c:v>0.7049018696726429</c:v>
+                </c:pt>
+                <c:pt idx="24">
+                  <c:v>0.71740476124907637</c:v>
+                </c:pt>
+                <c:pt idx="25">
+                  <c:v>0.41695756435973663</c:v>
+                </c:pt>
+                <c:pt idx="26">
+                  <c:v>0.360473914604787</c:v>
+                </c:pt>
+                <c:pt idx="27">
+                  <c:v>0.45757263920382363</c:v>
+                </c:pt>
+                <c:pt idx="28">
+                  <c:v>0.77336509830915168</c:v>
+                </c:pt>
+                <c:pt idx="29">
+                  <c:v>0.37176349245301055</c:v>
+                </c:pt>
+                <c:pt idx="30">
+                  <c:v>0.76011387894457605</c:v>
+                </c:pt>
+                <c:pt idx="31">
+                  <c:v>0.61877033471041476</c:v>
+                </c:pt>
+                <c:pt idx="32">
+                  <c:v>0.3669656894527068</c:v>
+                </c:pt>
+                <c:pt idx="33">
+                  <c:v>0.6835206888617007</c:v>
+                </c:pt>
+                <c:pt idx="34">
+                  <c:v>0.77697052123700949</c:v>
+                </c:pt>
+                <c:pt idx="35">
+                  <c:v>0.77617306740810099</c:v>
+                </c:pt>
+                <c:pt idx="36">
+                  <c:v>0.74126412616159487</c:v>
+                </c:pt>
+                <c:pt idx="37">
+                  <c:v>0.44263735161498252</c:v>
+                </c:pt>
+                <c:pt idx="38">
+                  <c:v>0.44531922919241074</c:v>
+                </c:pt>
+                <c:pt idx="39">
+                  <c:v>0.66476656638710163</c:v>
+                </c:pt>
+                <c:pt idx="40">
+                  <c:v>0.6821341436871482</c:v>
+                </c:pt>
+                <c:pt idx="41">
+                  <c:v>0.87297182190284117</c:v>
+                </c:pt>
+                <c:pt idx="42">
+                  <c:v>0.87207978324315061</c:v>
+                </c:pt>
+                <c:pt idx="43">
+                  <c:v>0.59945633690966116</c:v>
+                </c:pt>
+                <c:pt idx="44">
+                  <c:v>0.91102584754707661</c:v>
+                </c:pt>
+                <c:pt idx="45">
+                  <c:v>0.78093769568798455</c:v>
+                </c:pt>
+                <c:pt idx="46">
+                  <c:v>0.5588743392951645</c:v>
+                </c:pt>
+                <c:pt idx="47">
+                  <c:v>0.5964179305424826</c:v>
+                </c:pt>
+                <c:pt idx="48">
+                  <c:v>0.80388938554000133</c:v>
+                </c:pt>
+                <c:pt idx="49">
+                  <c:v>0.97563998177887412</c:v>
+                </c:pt>
+                <c:pt idx="50">
+                  <c:v>0.59817875694356859</c:v>
+                </c:pt>
+              </c:numCache>
+            </c:numRef>
+          </c:val>
+          <c:smooth val="0"/>
+          <c:extLst>
+            <c:ext xmlns:c16="http://schemas.microsoft.com/office/drawing/2014/chart" uri="{C3380CC4-5D6E-409C-BE32-E72D297353CC}">
+              <c16:uniqueId val="{00000002-4218-4B2B-99FF-3E7A3E15EBDF}"/>
+            </c:ext>
+          </c:extLst>
+        </c:ser>
+        <c:dLbls>
+          <c:showLegendKey val="0"/>
+          <c:showVal val="0"/>
+          <c:showCatName val="0"/>
+          <c:showSerName val="0"/>
+          <c:showPercent val="0"/>
+          <c:showBubbleSize val="0"/>
+        </c:dLbls>
+        <c:smooth val="0"/>
+        <c:axId val="1962646607"/>
+        <c:axId val="1962637487"/>
+      </c:lineChart>
+      <c:catAx>
+        <c:axId val="1962646607"/>
+        <c:scaling>
+          <c:orientation val="minMax"/>
+        </c:scaling>
+        <c:delete val="0"/>
+        <c:axPos val="b"/>
+        <c:minorGridlines>
+          <c:spPr>
+            <a:ln w="9525" cap="flat" cmpd="sng" algn="ctr">
+              <a:solidFill>
+                <a:schemeClr val="tx1">
+                  <a:lumMod val="5000"/>
+                  <a:lumOff val="95000"/>
+                </a:schemeClr>
+              </a:solidFill>
+              <a:round/>
+            </a:ln>
+            <a:effectLst/>
+          </c:spPr>
+        </c:minorGridlines>
+        <c:numFmt formatCode="General" sourceLinked="1"/>
+        <c:majorTickMark val="none"/>
+        <c:minorTickMark val="none"/>
+        <c:tickLblPos val="nextTo"/>
+        <c:spPr>
+          <a:noFill/>
+          <a:ln w="9525" cap="flat" cmpd="sng" algn="ctr">
+            <a:solidFill>
+              <a:schemeClr val="tx1">
+                <a:lumMod val="15000"/>
+                <a:lumOff val="85000"/>
+              </a:schemeClr>
+            </a:solidFill>
+            <a:round/>
+          </a:ln>
+          <a:effectLst/>
+        </c:spPr>
+        <c:txPr>
+          <a:bodyPr rot="-60000000" spcFirstLastPara="1" vertOverflow="ellipsis" vert="horz" wrap="square" anchor="ctr" anchorCtr="1"/>
+          <a:lstStyle/>
+          <a:p>
+            <a:pPr>
+              <a:defRPr sz="1197" b="0" i="0" u="none" strike="noStrike" kern="1200" baseline="0">
+                <a:solidFill>
+                  <a:schemeClr val="tx1">
+                    <a:lumMod val="65000"/>
+                    <a:lumOff val="35000"/>
+                  </a:schemeClr>
+                </a:solidFill>
+                <a:latin typeface="+mn-lt"/>
+                <a:ea typeface="+mn-ea"/>
+                <a:cs typeface="+mn-cs"/>
+              </a:defRPr>
+            </a:pPr>
+            <a:endParaRPr lang="ja-JP"/>
+          </a:p>
+        </c:txPr>
+        <c:crossAx val="1962637487"/>
+        <c:crosses val="autoZero"/>
+        <c:auto val="1"/>
+        <c:lblAlgn val="ctr"/>
+        <c:lblOffset val="100"/>
+        <c:tickLblSkip val="5"/>
+        <c:tickMarkSkip val="1"/>
+        <c:noMultiLvlLbl val="0"/>
+      </c:catAx>
+      <c:valAx>
+        <c:axId val="1962637487"/>
+        <c:scaling>
+          <c:orientation val="minMax"/>
+          <c:max val="1"/>
+          <c:min val="0"/>
+        </c:scaling>
+        <c:delete val="0"/>
+        <c:axPos val="l"/>
+        <c:majorGridlines>
+          <c:spPr>
+            <a:ln w="9525" cap="flat" cmpd="sng" algn="ctr">
+              <a:solidFill>
+                <a:schemeClr val="tx1">
+                  <a:lumMod val="15000"/>
+                  <a:lumOff val="85000"/>
+                </a:schemeClr>
+              </a:solidFill>
+              <a:round/>
+            </a:ln>
+            <a:effectLst/>
+          </c:spPr>
+        </c:majorGridlines>
+        <c:numFmt formatCode="General" sourceLinked="1"/>
+        <c:majorTickMark val="none"/>
+        <c:minorTickMark val="none"/>
+        <c:tickLblPos val="nextTo"/>
+        <c:spPr>
+          <a:noFill/>
+          <a:ln>
+            <a:noFill/>
+          </a:ln>
+          <a:effectLst/>
+        </c:spPr>
+        <c:txPr>
+          <a:bodyPr rot="-60000000" spcFirstLastPara="1" vertOverflow="ellipsis" vert="horz" wrap="square" anchor="ctr" anchorCtr="1"/>
+          <a:lstStyle/>
+          <a:p>
+            <a:pPr>
+              <a:defRPr sz="1197" b="0" i="0" u="none" strike="noStrike" kern="1200" baseline="0">
+                <a:solidFill>
+                  <a:schemeClr val="tx1">
+                    <a:lumMod val="65000"/>
+                    <a:lumOff val="35000"/>
+                  </a:schemeClr>
+                </a:solidFill>
+                <a:latin typeface="+mn-lt"/>
+                <a:ea typeface="+mn-ea"/>
+                <a:cs typeface="+mn-cs"/>
+              </a:defRPr>
+            </a:pPr>
+            <a:endParaRPr lang="ja-JP"/>
+          </a:p>
+        </c:txPr>
+        <c:crossAx val="1962646607"/>
+        <c:crosses val="autoZero"/>
+        <c:crossBetween val="between"/>
+      </c:valAx>
+      <c:spPr>
+        <a:noFill/>
+        <a:ln>
+          <a:noFill/>
+        </a:ln>
+        <a:effectLst/>
+      </c:spPr>
+    </c:plotArea>
+    <c:plotVisOnly val="1"/>
+    <c:dispBlanksAs val="gap"/>
     <c:showDLblsOverMax val="0"/>
+    <c:extLst>
+      <c:ext xmlns:c16r3="http://schemas.microsoft.com/office/drawing/2017/03/chart" uri="{56B9EC1D-385E-4148-901F-78D8002777C0}">
+        <c16r3:dataDisplayOptions16>
+          <c16r3:dispNaAsBlank val="1"/>
+        </c16r3:dataDisplayOptions16>
+      </c:ext>
+    </c:extLst>
   </c:chart>
   <c:spPr>
     <a:noFill/>
@@ -1432,6 +2543,46 @@
 </cs:colorStyle>
 </file>
 
+<file path=ppt/charts/colors4.xml><?xml version="1.0" encoding="utf-8"?>
+<cs:colorStyle xmlns:cs="http://schemas.microsoft.com/office/drawing/2012/chartStyle" xmlns:a="http://schemas.openxmlformats.org/drawingml/2006/main" meth="cycle" id="10">
+  <a:schemeClr val="accent1"/>
+  <a:schemeClr val="accent2"/>
+  <a:schemeClr val="accent3"/>
+  <a:schemeClr val="accent4"/>
+  <a:schemeClr val="accent5"/>
+  <a:schemeClr val="accent6"/>
+  <cs:variation/>
+  <cs:variation>
+    <a:lumMod val="60000"/>
+  </cs:variation>
+  <cs:variation>
+    <a:lumMod val="80000"/>
+    <a:lumOff val="20000"/>
+  </cs:variation>
+  <cs:variation>
+    <a:lumMod val="80000"/>
+  </cs:variation>
+  <cs:variation>
+    <a:lumMod val="60000"/>
+    <a:lumOff val="40000"/>
+  </cs:variation>
+  <cs:variation>
+    <a:lumMod val="50000"/>
+  </cs:variation>
+  <cs:variation>
+    <a:lumMod val="70000"/>
+    <a:lumOff val="30000"/>
+  </cs:variation>
+  <cs:variation>
+    <a:lumMod val="70000"/>
+  </cs:variation>
+  <cs:variation>
+    <a:lumMod val="50000"/>
+    <a:lumOff val="50000"/>
+  </cs:variation>
+</cs:colorStyle>
+</file>
+
 <file path=ppt/charts/style1.xml><?xml version="1.0" encoding="utf-8"?>
 <cs:chartStyle xmlns:cs="http://schemas.microsoft.com/office/drawing/2012/chartStyle" xmlns:a="http://schemas.openxmlformats.org/drawingml/2006/main" id="227">
   <cs:axisTitle>
@@ -2961,6 +4112,522 @@
         <a:round/>
       </a:ln>
     </cs:spPr>
+    <cs:defRPr sz="1197" kern="1200"/>
+  </cs:valueAxis>
+  <cs:wall>
+    <cs:lnRef idx="0"/>
+    <cs:fillRef idx="0"/>
+    <cs:effectRef idx="0"/>
+    <cs:fontRef idx="minor">
+      <a:schemeClr val="tx1"/>
+    </cs:fontRef>
+    <cs:spPr>
+      <a:noFill/>
+      <a:ln>
+        <a:noFill/>
+      </a:ln>
+    </cs:spPr>
+  </cs:wall>
+</cs:chartStyle>
+</file>
+
+<file path=ppt/charts/style4.xml><?xml version="1.0" encoding="utf-8"?>
+<cs:chartStyle xmlns:cs="http://schemas.microsoft.com/office/drawing/2012/chartStyle" xmlns:a="http://schemas.openxmlformats.org/drawingml/2006/main" id="227">
+  <cs:axisTitle>
+    <cs:lnRef idx="0"/>
+    <cs:fillRef idx="0"/>
+    <cs:effectRef idx="0"/>
+    <cs:fontRef idx="minor">
+      <a:schemeClr val="tx1">
+        <a:lumMod val="65000"/>
+        <a:lumOff val="35000"/>
+      </a:schemeClr>
+    </cs:fontRef>
+    <cs:defRPr sz="1330" kern="1200"/>
+  </cs:axisTitle>
+  <cs:categoryAxis>
+    <cs:lnRef idx="0"/>
+    <cs:fillRef idx="0"/>
+    <cs:effectRef idx="0"/>
+    <cs:fontRef idx="minor">
+      <a:schemeClr val="tx1">
+        <a:lumMod val="65000"/>
+        <a:lumOff val="35000"/>
+      </a:schemeClr>
+    </cs:fontRef>
+    <cs:spPr>
+      <a:ln w="9525" cap="flat" cmpd="sng" algn="ctr">
+        <a:solidFill>
+          <a:schemeClr val="tx1">
+            <a:lumMod val="15000"/>
+            <a:lumOff val="85000"/>
+          </a:schemeClr>
+        </a:solidFill>
+        <a:round/>
+      </a:ln>
+    </cs:spPr>
+    <cs:defRPr sz="1197" kern="1200"/>
+  </cs:categoryAxis>
+  <cs:chartArea mods="allowNoFillOverride allowNoLineOverride">
+    <cs:lnRef idx="0"/>
+    <cs:fillRef idx="0"/>
+    <cs:effectRef idx="0"/>
+    <cs:fontRef idx="minor">
+      <a:schemeClr val="tx1"/>
+    </cs:fontRef>
+    <cs:spPr>
+      <a:solidFill>
+        <a:schemeClr val="bg1"/>
+      </a:solidFill>
+      <a:ln w="9525" cap="flat" cmpd="sng" algn="ctr">
+        <a:solidFill>
+          <a:schemeClr val="tx1">
+            <a:lumMod val="15000"/>
+            <a:lumOff val="85000"/>
+          </a:schemeClr>
+        </a:solidFill>
+        <a:round/>
+      </a:ln>
+    </cs:spPr>
+    <cs:defRPr sz="1330" kern="1200"/>
+  </cs:chartArea>
+  <cs:dataLabel>
+    <cs:lnRef idx="0"/>
+    <cs:fillRef idx="0"/>
+    <cs:effectRef idx="0"/>
+    <cs:fontRef idx="minor">
+      <a:schemeClr val="tx1">
+        <a:lumMod val="75000"/>
+        <a:lumOff val="25000"/>
+      </a:schemeClr>
+    </cs:fontRef>
+    <cs:defRPr sz="1197" kern="1200"/>
+  </cs:dataLabel>
+  <cs:dataLabelCallout>
+    <cs:lnRef idx="0"/>
+    <cs:fillRef idx="0"/>
+    <cs:effectRef idx="0"/>
+    <cs:fontRef idx="minor">
+      <a:schemeClr val="dk1">
+        <a:lumMod val="65000"/>
+        <a:lumOff val="35000"/>
+      </a:schemeClr>
+    </cs:fontRef>
+    <cs:spPr>
+      <a:solidFill>
+        <a:schemeClr val="lt1"/>
+      </a:solidFill>
+      <a:ln>
+        <a:solidFill>
+          <a:schemeClr val="dk1">
+            <a:lumMod val="25000"/>
+            <a:lumOff val="75000"/>
+          </a:schemeClr>
+        </a:solidFill>
+      </a:ln>
+    </cs:spPr>
+    <cs:defRPr sz="1197" kern="1200"/>
+    <cs:bodyPr rot="0" spcFirstLastPara="1" vertOverflow="clip" horzOverflow="clip" vert="horz" wrap="square" lIns="36576" tIns="18288" rIns="36576" bIns="18288" anchor="ctr" anchorCtr="1">
+      <a:spAutoFit/>
+    </cs:bodyPr>
+  </cs:dataLabelCallout>
+  <cs:dataPoint>
+    <cs:lnRef idx="0"/>
+    <cs:fillRef idx="1">
+      <cs:styleClr val="auto"/>
+    </cs:fillRef>
+    <cs:effectRef idx="0"/>
+    <cs:fontRef idx="minor">
+      <a:schemeClr val="tx1"/>
+    </cs:fontRef>
+    <cs:spPr>
+      <a:solidFill>
+        <a:schemeClr val="phClr"/>
+      </a:solidFill>
+    </cs:spPr>
+  </cs:dataPoint>
+  <cs:dataPoint3D>
+    <cs:lnRef idx="0"/>
+    <cs:fillRef idx="1">
+      <cs:styleClr val="auto"/>
+    </cs:fillRef>
+    <cs:effectRef idx="0"/>
+    <cs:fontRef idx="minor">
+      <a:schemeClr val="tx1"/>
+    </cs:fontRef>
+    <cs:spPr>
+      <a:solidFill>
+        <a:schemeClr val="phClr"/>
+      </a:solidFill>
+    </cs:spPr>
+  </cs:dataPoint3D>
+  <cs:dataPointLine>
+    <cs:lnRef idx="0">
+      <cs:styleClr val="auto"/>
+    </cs:lnRef>
+    <cs:fillRef idx="1"/>
+    <cs:effectRef idx="0"/>
+    <cs:fontRef idx="minor">
+      <a:schemeClr val="tx1"/>
+    </cs:fontRef>
+    <cs:spPr>
+      <a:ln w="28575" cap="rnd">
+        <a:solidFill>
+          <a:schemeClr val="phClr"/>
+        </a:solidFill>
+        <a:round/>
+      </a:ln>
+    </cs:spPr>
+  </cs:dataPointLine>
+  <cs:dataPointMarker>
+    <cs:lnRef idx="0">
+      <cs:styleClr val="auto"/>
+    </cs:lnRef>
+    <cs:fillRef idx="1">
+      <cs:styleClr val="auto"/>
+    </cs:fillRef>
+    <cs:effectRef idx="0"/>
+    <cs:fontRef idx="minor">
+      <a:schemeClr val="tx1"/>
+    </cs:fontRef>
+    <cs:spPr>
+      <a:solidFill>
+        <a:schemeClr val="phClr"/>
+      </a:solidFill>
+      <a:ln w="9525">
+        <a:solidFill>
+          <a:schemeClr val="phClr"/>
+        </a:solidFill>
+      </a:ln>
+    </cs:spPr>
+  </cs:dataPointMarker>
+  <cs:dataPointMarkerLayout symbol="circle" size="5"/>
+  <cs:dataPointWireframe>
+    <cs:lnRef idx="0">
+      <cs:styleClr val="auto"/>
+    </cs:lnRef>
+    <cs:fillRef idx="1"/>
+    <cs:effectRef idx="0"/>
+    <cs:fontRef idx="minor">
+      <a:schemeClr val="tx1"/>
+    </cs:fontRef>
+    <cs:spPr>
+      <a:ln w="9525" cap="rnd">
+        <a:solidFill>
+          <a:schemeClr val="phClr"/>
+        </a:solidFill>
+        <a:round/>
+      </a:ln>
+    </cs:spPr>
+  </cs:dataPointWireframe>
+  <cs:dataTable>
+    <cs:lnRef idx="0"/>
+    <cs:fillRef idx="0"/>
+    <cs:effectRef idx="0"/>
+    <cs:fontRef idx="minor">
+      <a:schemeClr val="tx1">
+        <a:lumMod val="65000"/>
+        <a:lumOff val="35000"/>
+      </a:schemeClr>
+    </cs:fontRef>
+    <cs:spPr>
+      <a:noFill/>
+      <a:ln w="9525" cap="flat" cmpd="sng" algn="ctr">
+        <a:solidFill>
+          <a:schemeClr val="tx1">
+            <a:lumMod val="15000"/>
+            <a:lumOff val="85000"/>
+          </a:schemeClr>
+        </a:solidFill>
+        <a:round/>
+      </a:ln>
+    </cs:spPr>
+    <cs:defRPr sz="1197" kern="1200"/>
+  </cs:dataTable>
+  <cs:downBar>
+    <cs:lnRef idx="0"/>
+    <cs:fillRef idx="0"/>
+    <cs:effectRef idx="0"/>
+    <cs:fontRef idx="minor">
+      <a:schemeClr val="dk1"/>
+    </cs:fontRef>
+    <cs:spPr>
+      <a:solidFill>
+        <a:schemeClr val="dk1">
+          <a:lumMod val="65000"/>
+          <a:lumOff val="35000"/>
+        </a:schemeClr>
+      </a:solidFill>
+      <a:ln w="9525">
+        <a:solidFill>
+          <a:schemeClr val="tx1">
+            <a:lumMod val="65000"/>
+            <a:lumOff val="35000"/>
+          </a:schemeClr>
+        </a:solidFill>
+      </a:ln>
+    </cs:spPr>
+  </cs:downBar>
+  <cs:dropLine>
+    <cs:lnRef idx="0"/>
+    <cs:fillRef idx="0"/>
+    <cs:effectRef idx="0"/>
+    <cs:fontRef idx="minor">
+      <a:schemeClr val="tx1"/>
+    </cs:fontRef>
+    <cs:spPr>
+      <a:ln w="9525" cap="flat" cmpd="sng" algn="ctr">
+        <a:solidFill>
+          <a:schemeClr val="tx1">
+            <a:lumMod val="35000"/>
+            <a:lumOff val="65000"/>
+          </a:schemeClr>
+        </a:solidFill>
+        <a:round/>
+      </a:ln>
+    </cs:spPr>
+  </cs:dropLine>
+  <cs:errorBar>
+    <cs:lnRef idx="0"/>
+    <cs:fillRef idx="0"/>
+    <cs:effectRef idx="0"/>
+    <cs:fontRef idx="minor">
+      <a:schemeClr val="tx1"/>
+    </cs:fontRef>
+    <cs:spPr>
+      <a:ln w="9525" cap="flat" cmpd="sng" algn="ctr">
+        <a:solidFill>
+          <a:schemeClr val="tx1">
+            <a:lumMod val="65000"/>
+            <a:lumOff val="35000"/>
+          </a:schemeClr>
+        </a:solidFill>
+        <a:round/>
+      </a:ln>
+    </cs:spPr>
+  </cs:errorBar>
+  <cs:floor>
+    <cs:lnRef idx="0"/>
+    <cs:fillRef idx="0"/>
+    <cs:effectRef idx="0"/>
+    <cs:fontRef idx="minor">
+      <a:schemeClr val="tx1"/>
+    </cs:fontRef>
+    <cs:spPr>
+      <a:noFill/>
+      <a:ln>
+        <a:noFill/>
+      </a:ln>
+    </cs:spPr>
+  </cs:floor>
+  <cs:gridlineMajor>
+    <cs:lnRef idx="0"/>
+    <cs:fillRef idx="0"/>
+    <cs:effectRef idx="0"/>
+    <cs:fontRef idx="minor">
+      <a:schemeClr val="tx1"/>
+    </cs:fontRef>
+    <cs:spPr>
+      <a:ln w="9525" cap="flat" cmpd="sng" algn="ctr">
+        <a:solidFill>
+          <a:schemeClr val="tx1">
+            <a:lumMod val="15000"/>
+            <a:lumOff val="85000"/>
+          </a:schemeClr>
+        </a:solidFill>
+        <a:round/>
+      </a:ln>
+    </cs:spPr>
+  </cs:gridlineMajor>
+  <cs:gridlineMinor>
+    <cs:lnRef idx="0"/>
+    <cs:fillRef idx="0"/>
+    <cs:effectRef idx="0"/>
+    <cs:fontRef idx="minor">
+      <a:schemeClr val="tx1"/>
+    </cs:fontRef>
+    <cs:spPr>
+      <a:ln w="9525" cap="flat" cmpd="sng" algn="ctr">
+        <a:solidFill>
+          <a:schemeClr val="tx1">
+            <a:lumMod val="5000"/>
+            <a:lumOff val="95000"/>
+          </a:schemeClr>
+        </a:solidFill>
+        <a:round/>
+      </a:ln>
+    </cs:spPr>
+  </cs:gridlineMinor>
+  <cs:hiLoLine>
+    <cs:lnRef idx="0"/>
+    <cs:fillRef idx="0"/>
+    <cs:effectRef idx="0"/>
+    <cs:fontRef idx="minor">
+      <a:schemeClr val="tx1"/>
+    </cs:fontRef>
+    <cs:spPr>
+      <a:ln w="9525" cap="flat" cmpd="sng" algn="ctr">
+        <a:solidFill>
+          <a:schemeClr val="tx1">
+            <a:lumMod val="75000"/>
+            <a:lumOff val="25000"/>
+          </a:schemeClr>
+        </a:solidFill>
+        <a:round/>
+      </a:ln>
+    </cs:spPr>
+  </cs:hiLoLine>
+  <cs:leaderLine>
+    <cs:lnRef idx="0"/>
+    <cs:fillRef idx="0"/>
+    <cs:effectRef idx="0"/>
+    <cs:fontRef idx="minor">
+      <a:schemeClr val="tx1"/>
+    </cs:fontRef>
+    <cs:spPr>
+      <a:ln w="9525" cap="flat" cmpd="sng" algn="ctr">
+        <a:solidFill>
+          <a:schemeClr val="tx1">
+            <a:lumMod val="35000"/>
+            <a:lumOff val="65000"/>
+          </a:schemeClr>
+        </a:solidFill>
+        <a:round/>
+      </a:ln>
+    </cs:spPr>
+  </cs:leaderLine>
+  <cs:legend>
+    <cs:lnRef idx="0"/>
+    <cs:fillRef idx="0"/>
+    <cs:effectRef idx="0"/>
+    <cs:fontRef idx="minor">
+      <a:schemeClr val="tx1">
+        <a:lumMod val="65000"/>
+        <a:lumOff val="35000"/>
+      </a:schemeClr>
+    </cs:fontRef>
+    <cs:defRPr sz="1197" kern="1200"/>
+  </cs:legend>
+  <cs:plotArea mods="allowNoFillOverride allowNoLineOverride">
+    <cs:lnRef idx="0"/>
+    <cs:fillRef idx="0"/>
+    <cs:effectRef idx="0"/>
+    <cs:fontRef idx="minor">
+      <a:schemeClr val="tx1"/>
+    </cs:fontRef>
+  </cs:plotArea>
+  <cs:plotArea3D mods="allowNoFillOverride allowNoLineOverride">
+    <cs:lnRef idx="0"/>
+    <cs:fillRef idx="0"/>
+    <cs:effectRef idx="0"/>
+    <cs:fontRef idx="minor">
+      <a:schemeClr val="tx1"/>
+    </cs:fontRef>
+  </cs:plotArea3D>
+  <cs:seriesAxis>
+    <cs:lnRef idx="0"/>
+    <cs:fillRef idx="0"/>
+    <cs:effectRef idx="0"/>
+    <cs:fontRef idx="minor">
+      <a:schemeClr val="tx1">
+        <a:lumMod val="65000"/>
+        <a:lumOff val="35000"/>
+      </a:schemeClr>
+    </cs:fontRef>
+    <cs:defRPr sz="1197" kern="1200"/>
+  </cs:seriesAxis>
+  <cs:seriesLine>
+    <cs:lnRef idx="0"/>
+    <cs:fillRef idx="0"/>
+    <cs:effectRef idx="0"/>
+    <cs:fontRef idx="minor">
+      <a:schemeClr val="tx1"/>
+    </cs:fontRef>
+    <cs:spPr>
+      <a:ln w="9525" cap="flat" cmpd="sng" algn="ctr">
+        <a:solidFill>
+          <a:schemeClr val="tx1">
+            <a:lumMod val="35000"/>
+            <a:lumOff val="65000"/>
+          </a:schemeClr>
+        </a:solidFill>
+        <a:round/>
+      </a:ln>
+    </cs:spPr>
+  </cs:seriesLine>
+  <cs:title>
+    <cs:lnRef idx="0"/>
+    <cs:fillRef idx="0"/>
+    <cs:effectRef idx="0"/>
+    <cs:fontRef idx="minor">
+      <a:schemeClr val="tx1">
+        <a:lumMod val="65000"/>
+        <a:lumOff val="35000"/>
+      </a:schemeClr>
+    </cs:fontRef>
+    <cs:defRPr sz="1862" b="0" kern="1200" spc="0" baseline="0"/>
+  </cs:title>
+  <cs:trendline>
+    <cs:lnRef idx="0">
+      <cs:styleClr val="auto"/>
+    </cs:lnRef>
+    <cs:fillRef idx="0"/>
+    <cs:effectRef idx="0"/>
+    <cs:fontRef idx="minor">
+      <a:schemeClr val="tx1"/>
+    </cs:fontRef>
+    <cs:spPr>
+      <a:ln w="19050" cap="rnd">
+        <a:solidFill>
+          <a:schemeClr val="phClr"/>
+        </a:solidFill>
+        <a:prstDash val="sysDot"/>
+      </a:ln>
+    </cs:spPr>
+  </cs:trendline>
+  <cs:trendlineLabel>
+    <cs:lnRef idx="0"/>
+    <cs:fillRef idx="0"/>
+    <cs:effectRef idx="0"/>
+    <cs:fontRef idx="minor">
+      <a:schemeClr val="tx1">
+        <a:lumMod val="65000"/>
+        <a:lumOff val="35000"/>
+      </a:schemeClr>
+    </cs:fontRef>
+    <cs:defRPr sz="1197" kern="1200"/>
+  </cs:trendlineLabel>
+  <cs:upBar>
+    <cs:lnRef idx="0"/>
+    <cs:fillRef idx="0"/>
+    <cs:effectRef idx="0"/>
+    <cs:fontRef idx="minor">
+      <a:schemeClr val="dk1"/>
+    </cs:fontRef>
+    <cs:spPr>
+      <a:solidFill>
+        <a:schemeClr val="lt1"/>
+      </a:solidFill>
+      <a:ln w="9525">
+        <a:solidFill>
+          <a:schemeClr val="tx1">
+            <a:lumMod val="15000"/>
+            <a:lumOff val="85000"/>
+          </a:schemeClr>
+        </a:solidFill>
+      </a:ln>
+    </cs:spPr>
+  </cs:upBar>
+  <cs:valueAxis>
+    <cs:lnRef idx="0"/>
+    <cs:fillRef idx="0"/>
+    <cs:effectRef idx="0"/>
+    <cs:fontRef idx="minor">
+      <a:schemeClr val="tx1">
+        <a:lumMod val="65000"/>
+        <a:lumOff val="35000"/>
+      </a:schemeClr>
+    </cs:fontRef>
     <cs:defRPr sz="1197" kern="1200"/>
   </cs:valueAxis>
   <cs:wall>
@@ -3127,7 +4794,7 @@
           <a:p>
             <a:fld id="{60B5B375-844C-4485-A50B-23B03B0832C2}" type="datetimeFigureOut">
               <a:rPr kumimoji="1" lang="ja-JP" altLang="en-US" smtClean="0"/>
-              <a:t>2022/12/6</a:t>
+              <a:t>2025/10/13</a:t>
             </a:fld>
             <a:endParaRPr kumimoji="1" lang="ja-JP" altLang="en-US"/>
           </a:p>
@@ -3357,7 +5024,7 @@
           <a:p>
             <a:fld id="{60B5B375-844C-4485-A50B-23B03B0832C2}" type="datetimeFigureOut">
               <a:rPr kumimoji="1" lang="ja-JP" altLang="en-US" smtClean="0"/>
-              <a:t>2022/12/6</a:t>
+              <a:t>2025/10/13</a:t>
             </a:fld>
             <a:endParaRPr kumimoji="1" lang="ja-JP" altLang="en-US"/>
           </a:p>
@@ -3597,7 +5264,7 @@
           <a:p>
             <a:fld id="{60B5B375-844C-4485-A50B-23B03B0832C2}" type="datetimeFigureOut">
               <a:rPr kumimoji="1" lang="ja-JP" altLang="en-US" smtClean="0"/>
-              <a:t>2022/12/6</a:t>
+              <a:t>2025/10/13</a:t>
             </a:fld>
             <a:endParaRPr kumimoji="1" lang="ja-JP" altLang="en-US"/>
           </a:p>
@@ -3827,7 +5494,7 @@
           <a:p>
             <a:fld id="{60B5B375-844C-4485-A50B-23B03B0832C2}" type="datetimeFigureOut">
               <a:rPr kumimoji="1" lang="ja-JP" altLang="en-US" smtClean="0"/>
-              <a:t>2022/12/6</a:t>
+              <a:t>2025/10/13</a:t>
             </a:fld>
             <a:endParaRPr kumimoji="1" lang="ja-JP" altLang="en-US"/>
           </a:p>
@@ -4102,7 +5769,7 @@
           <a:p>
             <a:fld id="{60B5B375-844C-4485-A50B-23B03B0832C2}" type="datetimeFigureOut">
               <a:rPr kumimoji="1" lang="ja-JP" altLang="en-US" smtClean="0"/>
-              <a:t>2022/12/6</a:t>
+              <a:t>2025/10/13</a:t>
             </a:fld>
             <a:endParaRPr kumimoji="1" lang="ja-JP" altLang="en-US"/>
           </a:p>
@@ -4431,7 +6098,7 @@
           <a:p>
             <a:fld id="{60B5B375-844C-4485-A50B-23B03B0832C2}" type="datetimeFigureOut">
               <a:rPr kumimoji="1" lang="ja-JP" altLang="en-US" smtClean="0"/>
-              <a:t>2022/12/6</a:t>
+              <a:t>2025/10/13</a:t>
             </a:fld>
             <a:endParaRPr kumimoji="1" lang="ja-JP" altLang="en-US"/>
           </a:p>
@@ -4907,7 +6574,7 @@
           <a:p>
             <a:fld id="{60B5B375-844C-4485-A50B-23B03B0832C2}" type="datetimeFigureOut">
               <a:rPr kumimoji="1" lang="ja-JP" altLang="en-US" smtClean="0"/>
-              <a:t>2022/12/6</a:t>
+              <a:t>2025/10/13</a:t>
             </a:fld>
             <a:endParaRPr kumimoji="1" lang="ja-JP" altLang="en-US"/>
           </a:p>
@@ -5048,7 +6715,7 @@
           <a:p>
             <a:fld id="{60B5B375-844C-4485-A50B-23B03B0832C2}" type="datetimeFigureOut">
               <a:rPr kumimoji="1" lang="ja-JP" altLang="en-US" smtClean="0"/>
-              <a:t>2022/12/6</a:t>
+              <a:t>2025/10/13</a:t>
             </a:fld>
             <a:endParaRPr kumimoji="1" lang="ja-JP" altLang="en-US"/>
           </a:p>
@@ -5161,7 +6828,7 @@
           <a:p>
             <a:fld id="{60B5B375-844C-4485-A50B-23B03B0832C2}" type="datetimeFigureOut">
               <a:rPr kumimoji="1" lang="ja-JP" altLang="en-US" smtClean="0"/>
-              <a:t>2022/12/6</a:t>
+              <a:t>2025/10/13</a:t>
             </a:fld>
             <a:endParaRPr kumimoji="1" lang="ja-JP" altLang="en-US"/>
           </a:p>
@@ -5504,7 +7171,7 @@
           <a:p>
             <a:fld id="{60B5B375-844C-4485-A50B-23B03B0832C2}" type="datetimeFigureOut">
               <a:rPr kumimoji="1" lang="ja-JP" altLang="en-US" smtClean="0"/>
-              <a:t>2022/12/6</a:t>
+              <a:t>2025/10/13</a:t>
             </a:fld>
             <a:endParaRPr kumimoji="1" lang="ja-JP" altLang="en-US"/>
           </a:p>
@@ -5792,7 +7459,7 @@
           <a:p>
             <a:fld id="{60B5B375-844C-4485-A50B-23B03B0832C2}" type="datetimeFigureOut">
               <a:rPr kumimoji="1" lang="ja-JP" altLang="en-US" smtClean="0"/>
-              <a:t>2022/12/6</a:t>
+              <a:t>2025/10/13</a:t>
             </a:fld>
             <a:endParaRPr kumimoji="1" lang="ja-JP" altLang="en-US"/>
           </a:p>
@@ -6065,7 +7732,7 @@
           <a:p>
             <a:fld id="{60B5B375-844C-4485-A50B-23B03B0832C2}" type="datetimeFigureOut">
               <a:rPr kumimoji="1" lang="ja-JP" altLang="en-US" smtClean="0"/>
-              <a:t>2022/12/6</a:t>
+              <a:t>2025/10/13</a:t>
             </a:fld>
             <a:endParaRPr kumimoji="1" lang="ja-JP" altLang="en-US"/>
           </a:p>
@@ -7424,6 +9091,64 @@
 </p:sld>
 </file>
 
+<file path=ppt/slides/slide7.xml><?xml version="1.0" encoding="utf-8"?>
+<p:sld xmlns:a="http://schemas.openxmlformats.org/drawingml/2006/main" xmlns:r="http://schemas.openxmlformats.org/officeDocument/2006/relationships" xmlns:p="http://schemas.openxmlformats.org/presentationml/2006/main">
+  <p:cSld>
+    <p:spTree>
+      <p:nvGrpSpPr>
+        <p:cNvPr id="1" name=""/>
+        <p:cNvGrpSpPr/>
+        <p:nvPr/>
+      </p:nvGrpSpPr>
+      <p:grpSpPr>
+        <a:xfrm>
+          <a:off x="0" y="0"/>
+          <a:ext cx="0" cy="0"/>
+          <a:chOff x="0" y="0"/>
+          <a:chExt cx="0" cy="0"/>
+        </a:xfrm>
+      </p:grpSpPr>
+      <p:graphicFrame>
+        <p:nvGraphicFramePr>
+          <p:cNvPr id="4" name="グラフ 3">
+            <a:extLst>
+              <a:ext uri="{FF2B5EF4-FFF2-40B4-BE49-F238E27FC236}">
+                <a16:creationId xmlns:a16="http://schemas.microsoft.com/office/drawing/2014/main" id="{124E9EAD-8E2B-C205-F324-53B66E3EA7DD}"/>
+              </a:ext>
+            </a:extLst>
+          </p:cNvPr>
+          <p:cNvGraphicFramePr/>
+          <p:nvPr>
+            <p:extLst>
+              <p:ext uri="{D42A27DB-BD31-4B8C-83A1-F6EECF244321}">
+                <p14:modId xmlns:p14="http://schemas.microsoft.com/office/powerpoint/2010/main" val="304873077"/>
+              </p:ext>
+            </p:extLst>
+          </p:nvPr>
+        </p:nvGraphicFramePr>
+        <p:xfrm>
+          <a:off x="2032000" y="719666"/>
+          <a:ext cx="8128000" cy="5418667"/>
+        </p:xfrm>
+        <a:graphic>
+          <a:graphicData uri="http://schemas.openxmlformats.org/drawingml/2006/chart">
+            <c:chart xmlns:c="http://schemas.openxmlformats.org/drawingml/2006/chart" xmlns:r="http://schemas.openxmlformats.org/officeDocument/2006/relationships" r:id="rId2"/>
+          </a:graphicData>
+        </a:graphic>
+      </p:graphicFrame>
+    </p:spTree>
+    <p:extLst>
+      <p:ext uri="{BB962C8B-B14F-4D97-AF65-F5344CB8AC3E}">
+        <p14:creationId xmlns:p14="http://schemas.microsoft.com/office/powerpoint/2010/main" val="2145551470"/>
+      </p:ext>
+    </p:extLst>
+  </p:cSld>
+  <p:clrMapOvr>
+    <a:masterClrMapping/>
+  </p:clrMapOvr>
+</p:sld>
+</file>
+
 <file path=ppt/theme/theme1.xml><?xml version="1.0" encoding="utf-8"?>
 <a:theme xmlns:a="http://schemas.openxmlformats.org/drawingml/2006/main" name="Office テーマ">
   <a:themeElements>
